--- a/1. Python for Beginners.pptx
+++ b/1. Python for Beginners.pptx
@@ -5,25 +5,27 @@
     <p:sldMasterId id="2147483696" r:id="rId1"/>
   </p:sldMasterIdLst>
   <p:notesMasterIdLst>
-    <p:notesMasterId r:id="rId18"/>
+    <p:notesMasterId r:id="rId20"/>
   </p:notesMasterIdLst>
   <p:sldIdLst>
     <p:sldId id="256" r:id="rId2"/>
-    <p:sldId id="332" r:id="rId3"/>
-    <p:sldId id="331" r:id="rId4"/>
-    <p:sldId id="298" r:id="rId5"/>
-    <p:sldId id="297" r:id="rId6"/>
-    <p:sldId id="296" r:id="rId7"/>
-    <p:sldId id="258" r:id="rId8"/>
-    <p:sldId id="259" r:id="rId9"/>
-    <p:sldId id="260" r:id="rId10"/>
-    <p:sldId id="267" r:id="rId11"/>
-    <p:sldId id="263" r:id="rId12"/>
-    <p:sldId id="264" r:id="rId13"/>
-    <p:sldId id="265" r:id="rId14"/>
-    <p:sldId id="335" r:id="rId15"/>
-    <p:sldId id="306" r:id="rId16"/>
-    <p:sldId id="330" r:id="rId17"/>
+    <p:sldId id="337" r:id="rId3"/>
+    <p:sldId id="336" r:id="rId4"/>
+    <p:sldId id="332" r:id="rId5"/>
+    <p:sldId id="331" r:id="rId6"/>
+    <p:sldId id="298" r:id="rId7"/>
+    <p:sldId id="297" r:id="rId8"/>
+    <p:sldId id="296" r:id="rId9"/>
+    <p:sldId id="258" r:id="rId10"/>
+    <p:sldId id="259" r:id="rId11"/>
+    <p:sldId id="260" r:id="rId12"/>
+    <p:sldId id="267" r:id="rId13"/>
+    <p:sldId id="263" r:id="rId14"/>
+    <p:sldId id="264" r:id="rId15"/>
+    <p:sldId id="265" r:id="rId16"/>
+    <p:sldId id="335" r:id="rId17"/>
+    <p:sldId id="306" r:id="rId18"/>
+    <p:sldId id="330" r:id="rId19"/>
   </p:sldIdLst>
   <p:sldSz cx="12192000" cy="6858000"/>
   <p:notesSz cx="6858000" cy="9144000"/>
@@ -212,7 +214,7 @@
           <a:p>
             <a:fld id="{EA81B184-ADB0-40E3-AFA7-D069C21FDBFD}" type="datetimeFigureOut">
               <a:rPr lang="en-GH" smtClean="0"/>
-              <a:t>14/12/2019</a:t>
+              <a:t>07/02/2021</a:t>
             </a:fld>
             <a:endParaRPr lang="en-GH"/>
           </a:p>
@@ -549,7 +551,7 @@
           <a:p>
             <a:fld id="{C7AD59FA-7D6B-4FFA-AE62-F548BD8BF023}" type="slidenum">
               <a:rPr lang="en-GH" smtClean="0"/>
-              <a:t>6</a:t>
+              <a:t>8</a:t>
             </a:fld>
             <a:endParaRPr lang="en-GH"/>
           </a:p>
@@ -707,7 +709,7 @@
           <a:p>
             <a:fld id="{C7AD59FA-7D6B-4FFA-AE62-F548BD8BF023}" type="slidenum">
               <a:rPr lang="en-GH" smtClean="0"/>
-              <a:t>7</a:t>
+              <a:t>9</a:t>
             </a:fld>
             <a:endParaRPr lang="en-GH"/>
           </a:p>
@@ -791,7 +793,7 @@
           <a:p>
             <a:fld id="{C7AD59FA-7D6B-4FFA-AE62-F548BD8BF023}" type="slidenum">
               <a:rPr lang="en-GH" smtClean="0"/>
-              <a:t>8</a:t>
+              <a:t>10</a:t>
             </a:fld>
             <a:endParaRPr lang="en-GH"/>
           </a:p>
@@ -898,7 +900,7 @@
           <a:p>
             <a:fld id="{C7AD59FA-7D6B-4FFA-AE62-F548BD8BF023}" type="slidenum">
               <a:rPr lang="en-GH" smtClean="0"/>
-              <a:t>15</a:t>
+              <a:t>17</a:t>
             </a:fld>
             <a:endParaRPr lang="en-GH"/>
           </a:p>
@@ -1046,7 +1048,7 @@
           <a:p>
             <a:fld id="{5D6A529D-D74B-9246-A6D5-EC9C82414BCF}" type="datetimeFigureOut">
               <a:rPr kumimoji="1" lang="zh-CN" altLang="en-US" smtClean="0"/>
-              <a:t>2019/12/14</a:t>
+              <a:t>2021/2/7</a:t>
             </a:fld>
             <a:endParaRPr kumimoji="1" lang="zh-CN" altLang="en-US"/>
           </a:p>
@@ -1216,7 +1218,7 @@
           <a:p>
             <a:fld id="{5D6A529D-D74B-9246-A6D5-EC9C82414BCF}" type="datetimeFigureOut">
               <a:rPr kumimoji="1" lang="zh-CN" altLang="en-US" smtClean="0"/>
-              <a:t>2019/12/14</a:t>
+              <a:t>2021/2/7</a:t>
             </a:fld>
             <a:endParaRPr kumimoji="1" lang="zh-CN" altLang="en-US"/>
           </a:p>
@@ -1396,7 +1398,7 @@
           <a:p>
             <a:fld id="{5D6A529D-D74B-9246-A6D5-EC9C82414BCF}" type="datetimeFigureOut">
               <a:rPr kumimoji="1" lang="zh-CN" altLang="en-US" smtClean="0"/>
-              <a:t>2019/12/14</a:t>
+              <a:t>2021/2/7</a:t>
             </a:fld>
             <a:endParaRPr kumimoji="1" lang="zh-CN" altLang="en-US"/>
           </a:p>
@@ -1793,7 +1795,7 @@
           <a:p>
             <a:fld id="{5D6A529D-D74B-9246-A6D5-EC9C82414BCF}" type="datetimeFigureOut">
               <a:rPr kumimoji="1" lang="zh-CN" altLang="en-US" smtClean="0"/>
-              <a:t>2019/12/14</a:t>
+              <a:t>2021/2/7</a:t>
             </a:fld>
             <a:endParaRPr kumimoji="1" lang="zh-CN" altLang="en-US"/>
           </a:p>
@@ -2039,7 +2041,7 @@
           <a:p>
             <a:fld id="{5D6A529D-D74B-9246-A6D5-EC9C82414BCF}" type="datetimeFigureOut">
               <a:rPr kumimoji="1" lang="zh-CN" altLang="en-US" smtClean="0"/>
-              <a:t>2019/12/14</a:t>
+              <a:t>2021/2/7</a:t>
             </a:fld>
             <a:endParaRPr kumimoji="1" lang="zh-CN" altLang="en-US"/>
           </a:p>
@@ -2271,7 +2273,7 @@
           <a:p>
             <a:fld id="{5D6A529D-D74B-9246-A6D5-EC9C82414BCF}" type="datetimeFigureOut">
               <a:rPr kumimoji="1" lang="zh-CN" altLang="en-US" smtClean="0"/>
-              <a:t>2019/12/14</a:t>
+              <a:t>2021/2/7</a:t>
             </a:fld>
             <a:endParaRPr kumimoji="1" lang="zh-CN" altLang="en-US"/>
           </a:p>
@@ -2638,7 +2640,7 @@
           <a:p>
             <a:fld id="{5D6A529D-D74B-9246-A6D5-EC9C82414BCF}" type="datetimeFigureOut">
               <a:rPr kumimoji="1" lang="zh-CN" altLang="en-US" smtClean="0"/>
-              <a:t>2019/12/14</a:t>
+              <a:t>2021/2/7</a:t>
             </a:fld>
             <a:endParaRPr kumimoji="1" lang="zh-CN" altLang="en-US"/>
           </a:p>
@@ -2756,7 +2758,7 @@
           <a:p>
             <a:fld id="{5D6A529D-D74B-9246-A6D5-EC9C82414BCF}" type="datetimeFigureOut">
               <a:rPr kumimoji="1" lang="zh-CN" altLang="en-US" smtClean="0"/>
-              <a:t>2019/12/14</a:t>
+              <a:t>2021/2/7</a:t>
             </a:fld>
             <a:endParaRPr kumimoji="1" lang="zh-CN" altLang="en-US"/>
           </a:p>
@@ -2851,7 +2853,7 @@
           <a:p>
             <a:fld id="{5D6A529D-D74B-9246-A6D5-EC9C82414BCF}" type="datetimeFigureOut">
               <a:rPr kumimoji="1" lang="zh-CN" altLang="en-US" smtClean="0"/>
-              <a:t>2019/12/14</a:t>
+              <a:t>2021/2/7</a:t>
             </a:fld>
             <a:endParaRPr kumimoji="1" lang="zh-CN" altLang="en-US"/>
           </a:p>
@@ -3128,7 +3130,7 @@
           <a:p>
             <a:fld id="{5D6A529D-D74B-9246-A6D5-EC9C82414BCF}" type="datetimeFigureOut">
               <a:rPr kumimoji="1" lang="zh-CN" altLang="en-US" smtClean="0"/>
-              <a:t>2019/12/14</a:t>
+              <a:t>2021/2/7</a:t>
             </a:fld>
             <a:endParaRPr kumimoji="1" lang="zh-CN" altLang="en-US"/>
           </a:p>
@@ -3385,7 +3387,7 @@
           <a:p>
             <a:fld id="{5D6A529D-D74B-9246-A6D5-EC9C82414BCF}" type="datetimeFigureOut">
               <a:rPr kumimoji="1" lang="zh-CN" altLang="en-US" smtClean="0"/>
-              <a:t>2019/12/14</a:t>
+              <a:t>2021/2/7</a:t>
             </a:fld>
             <a:endParaRPr kumimoji="1" lang="zh-CN" altLang="en-US"/>
           </a:p>
@@ -3629,7 +3631,7 @@
           <a:p>
             <a:fld id="{5D6A529D-D74B-9246-A6D5-EC9C82414BCF}" type="datetimeFigureOut">
               <a:rPr kumimoji="1" lang="zh-CN" altLang="en-US" smtClean="0"/>
-              <a:t>2019/12/14</a:t>
+              <a:t>2021/2/7</a:t>
             </a:fld>
             <a:endParaRPr kumimoji="1" lang="zh-CN" altLang="en-US"/>
           </a:p>
@@ -4068,6 +4070,36 @@
           <a:chExt cx="0" cy="0"/>
         </a:xfrm>
       </p:grpSpPr>
+      <p:pic>
+        <p:nvPicPr>
+          <p:cNvPr id="5" name="Picture 4">
+            <a:extLst>
+              <a:ext uri="{FF2B5EF4-FFF2-40B4-BE49-F238E27FC236}">
+                <a16:creationId xmlns:a16="http://schemas.microsoft.com/office/drawing/2014/main" id="{011B5C41-A88C-4819-BD56-DE13686D38BF}"/>
+              </a:ext>
+            </a:extLst>
+          </p:cNvPr>
+          <p:cNvPicPr>
+            <a:picLocks noChangeAspect="1"/>
+          </p:cNvPicPr>
+          <p:nvPr/>
+        </p:nvPicPr>
+        <p:blipFill>
+          <a:blip r:embed="rId2"/>
+          <a:stretch>
+            <a:fillRect/>
+          </a:stretch>
+        </p:blipFill>
+        <p:spPr>
+          <a:xfrm>
+            <a:off x="4193178" y="3384997"/>
+            <a:ext cx="3048000" cy="3048000"/>
+          </a:xfrm>
+          <a:prstGeom prst="rect">
+            <a:avLst/>
+          </a:prstGeom>
+        </p:spPr>
+      </p:pic>
       <p:sp>
         <p:nvSpPr>
           <p:cNvPr id="2" name="标题 1">
@@ -4086,7 +4118,7 @@
         </p:nvSpPr>
         <p:spPr>
           <a:xfrm>
-            <a:off x="1122947" y="783822"/>
+            <a:off x="1122945" y="0"/>
             <a:ext cx="9570453" cy="2387600"/>
           </a:xfrm>
         </p:spPr>
@@ -4102,22 +4134,7 @@
                 <a:ea typeface="Circular Std" panose="02000503000000020003" pitchFamily="2" charset="0"/>
                 <a:cs typeface="Circular Std Black" panose="020B0604020101020102" pitchFamily="34" charset="77"/>
               </a:rPr>
-              <a:t>Python </a:t>
-            </a:r>
-            <a:br>
-              <a:rPr kumimoji="1" lang="en-US" altLang="zh-CN" sz="7200" b="1" dirty="0">
-                <a:latin typeface="Circular Std Black" panose="020B0604020101020102" pitchFamily="34" charset="77"/>
-                <a:ea typeface="Circular Std" panose="02000503000000020003" pitchFamily="2" charset="0"/>
-                <a:cs typeface="Circular Std Black" panose="020B0604020101020102" pitchFamily="34" charset="77"/>
-              </a:rPr>
-            </a:br>
-            <a:r>
-              <a:rPr kumimoji="1" lang="en-US" altLang="zh-CN" sz="7200" b="1" dirty="0">
-                <a:latin typeface="Circular Std Black" panose="020B0604020101020102" pitchFamily="34" charset="77"/>
-                <a:ea typeface="Circular Std" panose="02000503000000020003" pitchFamily="2" charset="0"/>
-                <a:cs typeface="Circular Std Black" panose="020B0604020101020102" pitchFamily="34" charset="77"/>
-              </a:rPr>
-              <a:t>for Beginners</a:t>
+              <a:t>PYTHON WEB SCRAPING </a:t>
             </a:r>
             <a:endParaRPr kumimoji="1" lang="zh-CN" altLang="en-US" sz="7200" b="1" dirty="0">
               <a:latin typeface="Circular Std Black" panose="020B0604020101020102" pitchFamily="34" charset="77"/>
@@ -4144,7 +4161,7 @@
         </p:nvSpPr>
         <p:spPr>
           <a:xfrm>
-            <a:off x="3421646" y="3981156"/>
+            <a:off x="3421644" y="2297151"/>
             <a:ext cx="4973053" cy="1131849"/>
           </a:xfrm>
         </p:spPr>
@@ -4153,9 +4170,30 @@
           <a:lstStyle/>
           <a:p>
             <a:r>
-              <a:rPr lang="en-US" dirty="0"/>
-              <a:t>Open in your browser: https://bit.ly/pywebintro</a:t>
-            </a:r>
+              <a:rPr kumimoji="1" lang="en-US" altLang="zh-CN" sz="2400" b="1" dirty="0">
+                <a:latin typeface="Circular Std Black" panose="020B0604020101020102" pitchFamily="34" charset="77"/>
+                <a:ea typeface="Circular Std" panose="02000503000000020003" pitchFamily="2" charset="0"/>
+                <a:cs typeface="Circular Std Black" panose="020B0604020101020102" pitchFamily="34" charset="77"/>
+              </a:rPr>
+              <a:t>NUGS-CHINA </a:t>
+            </a:r>
+            <a:r>
+              <a:rPr kumimoji="1" lang="en-US" altLang="zh-CN" sz="2400" b="1" dirty="0" err="1">
+                <a:latin typeface="Circular Std Black" panose="020B0604020101020102" pitchFamily="34" charset="77"/>
+                <a:ea typeface="Circular Std" panose="02000503000000020003" pitchFamily="2" charset="0"/>
+                <a:cs typeface="Circular Std Black" panose="020B0604020101020102" pitchFamily="34" charset="77"/>
+              </a:rPr>
+              <a:t>SkillUp</a:t>
+            </a:r>
+            <a:r>
+              <a:rPr kumimoji="1" lang="en-US" altLang="zh-CN" sz="2400" b="1" dirty="0">
+                <a:latin typeface="Circular Std Black" panose="020B0604020101020102" pitchFamily="34" charset="77"/>
+                <a:ea typeface="Circular Std" panose="02000503000000020003" pitchFamily="2" charset="0"/>
+                <a:cs typeface="Circular Std Black" panose="020B0604020101020102" pitchFamily="34" charset="77"/>
+              </a:rPr>
+              <a:t> Program</a:t>
+            </a:r>
+            <a:endParaRPr lang="en-US" dirty="0"/>
           </a:p>
           <a:p>
             <a:endParaRPr kumimoji="1" lang="zh-CN" altLang="en-US" dirty="0"/>
@@ -4192,44 +4230,41 @@
           <a:chExt cx="0" cy="0"/>
         </a:xfrm>
       </p:grpSpPr>
-      <p:pic>
-        <p:nvPicPr>
-          <p:cNvPr id="5" name="内容占位符 4">
+      <p:sp>
+        <p:nvSpPr>
+          <p:cNvPr id="2" name="标题 1">
             <a:extLst>
               <a:ext uri="{FF2B5EF4-FFF2-40B4-BE49-F238E27FC236}">
-                <a16:creationId xmlns:a16="http://schemas.microsoft.com/office/drawing/2014/main" id="{A131ADF2-A3DC-4242-8444-4691F765191E}"/>
+                <a16:creationId xmlns:a16="http://schemas.microsoft.com/office/drawing/2014/main" id="{B7DCA67B-C998-3848-B607-2FB4707B3066}"/>
               </a:ext>
             </a:extLst>
           </p:cNvPr>
-          <p:cNvPicPr>
-            <a:picLocks noGrp="1" noChangeAspect="1"/>
-          </p:cNvPicPr>
-          <p:nvPr>
-            <p:ph idx="1"/>
-          </p:nvPr>
-        </p:nvPicPr>
-        <p:blipFill>
-          <a:blip r:embed="rId2"/>
-          <a:stretch>
-            <a:fillRect/>
-          </a:stretch>
-        </p:blipFill>
-        <p:spPr>
-          <a:xfrm>
-            <a:off x="3026542" y="1286934"/>
-            <a:ext cx="6138915" cy="5571066"/>
-          </a:xfrm>
-          <a:prstGeom prst="rect">
-            <a:avLst/>
-          </a:prstGeom>
-        </p:spPr>
-      </p:pic>
-      <p:sp>
-        <p:nvSpPr>
-          <p:cNvPr id="3" name="Title 1">
+          <p:cNvSpPr>
+            <a:spLocks noGrp="1"/>
+          </p:cNvSpPr>
+          <p:nvPr>
+            <p:ph type="title"/>
+          </p:nvPr>
+        </p:nvSpPr>
+        <p:spPr/>
+        <p:txBody>
+          <a:bodyPr/>
+          <a:lstStyle/>
+          <a:p>
+            <a:r>
+              <a:rPr kumimoji="1" lang="en-US" altLang="zh-CN" dirty="0"/>
+              <a:t>General Purpose</a:t>
+            </a:r>
+            <a:endParaRPr kumimoji="1" lang="zh-CN" altLang="en-US" dirty="0"/>
+          </a:p>
+        </p:txBody>
+      </p:sp>
+      <p:sp>
+        <p:nvSpPr>
+          <p:cNvPr id="3" name="内容占位符 2">
             <a:extLst>
               <a:ext uri="{FF2B5EF4-FFF2-40B4-BE49-F238E27FC236}">
-                <a16:creationId xmlns:a16="http://schemas.microsoft.com/office/drawing/2014/main" id="{673EC12A-0D98-5443-8E4D-C73C5D334396}"/>
+                <a16:creationId xmlns:a16="http://schemas.microsoft.com/office/drawing/2014/main" id="{6856AD1D-DB0C-6445-B759-81F72B1699AB}"/>
               </a:ext>
             </a:extLst>
           </p:cNvPr>
@@ -4237,31 +4272,77 @@
             <a:spLocks noGrp="1"/>
           </p:cNvSpPr>
           <p:nvPr>
-            <p:ph type="title"/>
-          </p:nvPr>
-        </p:nvSpPr>
-        <p:spPr>
-          <a:xfrm>
-            <a:off x="838200" y="132043"/>
-            <a:ext cx="10515600" cy="1325563"/>
-          </a:xfrm>
-        </p:spPr>
+            <p:ph idx="1"/>
+          </p:nvPr>
+        </p:nvSpPr>
+        <p:spPr/>
         <p:txBody>
           <a:bodyPr/>
           <a:lstStyle/>
           <a:p>
-            <a:pPr algn="ctr"/>
+            <a:r>
+              <a:rPr kumimoji="1" lang="en-US" altLang="zh-CN" dirty="0"/>
+              <a:t>Web development (like: Django, Flask)</a:t>
+            </a:r>
+          </a:p>
+          <a:p>
+            <a:endParaRPr kumimoji="1" lang="en-US" altLang="zh-CN" dirty="0"/>
+          </a:p>
+          <a:p>
+            <a:r>
+              <a:rPr kumimoji="1" lang="en-US" altLang="zh-CN" dirty="0"/>
+              <a:t>Scientific and Mathematical computing (Orange, </a:t>
+            </a:r>
+            <a:r>
+              <a:rPr kumimoji="1" lang="en-US" altLang="zh-CN" dirty="0" err="1"/>
+              <a:t>Scipy</a:t>
+            </a:r>
+            <a:r>
+              <a:rPr kumimoji="1" lang="en-US" altLang="zh-CN" dirty="0"/>
+              <a:t>, </a:t>
+            </a:r>
+            <a:r>
+              <a:rPr kumimoji="1" lang="en-US" altLang="zh-CN" dirty="0" err="1"/>
+              <a:t>Numpy</a:t>
+            </a:r>
+            <a:r>
+              <a:rPr kumimoji="1" lang="en-US" altLang="zh-CN" dirty="0"/>
+              <a:t>)</a:t>
+            </a:r>
+          </a:p>
+          <a:p>
+            <a:endParaRPr kumimoji="1" lang="en-US" altLang="zh-CN" dirty="0"/>
+          </a:p>
+          <a:p>
+            <a:r>
+              <a:rPr kumimoji="1" lang="en-US" altLang="zh-CN" dirty="0"/>
+              <a:t>Desktop graphical user interfaces (</a:t>
+            </a:r>
+            <a:r>
+              <a:rPr kumimoji="1" lang="en-US" altLang="zh-CN" dirty="0" err="1"/>
+              <a:t>Pygame</a:t>
+            </a:r>
+            <a:r>
+              <a:rPr kumimoji="1" lang="en-US" altLang="zh-CN" dirty="0"/>
+              <a:t>, Panda3D)</a:t>
+            </a:r>
+          </a:p>
+          <a:p>
+            <a:endParaRPr kumimoji="1" lang="en-US" altLang="zh-CN" dirty="0"/>
+          </a:p>
+          <a:p>
             <a:r>
               <a:rPr lang="en-US" altLang="zh-CN" dirty="0"/>
-              <a:t>Why Python for Data? </a:t>
-            </a:r>
+              <a:t>Web crawler</a:t>
+            </a:r>
+            <a:endParaRPr kumimoji="1" lang="zh-CN" altLang="en-US" dirty="0"/>
           </a:p>
         </p:txBody>
       </p:sp>
     </p:spTree>
     <p:extLst>
       <p:ext uri="{BB962C8B-B14F-4D97-AF65-F5344CB8AC3E}">
-        <p14:creationId xmlns:p14="http://schemas.microsoft.com/office/powerpoint/2010/main" val="43033522"/>
+        <p14:creationId xmlns:p14="http://schemas.microsoft.com/office/powerpoint/2010/main" val="3015896123"/>
       </p:ext>
     </p:extLst>
   </p:cSld>
@@ -4293,7 +4374,7 @@
           <p:cNvPr id="2" name="标题 1">
             <a:extLst>
               <a:ext uri="{FF2B5EF4-FFF2-40B4-BE49-F238E27FC236}">
-                <a16:creationId xmlns:a16="http://schemas.microsoft.com/office/drawing/2014/main" id="{75E20855-B253-B046-96F3-FEBC5BBADCBD}"/>
+                <a16:creationId xmlns:a16="http://schemas.microsoft.com/office/drawing/2014/main" id="{1D4C546E-6508-4041-9CEB-C4BC2329FC3B}"/>
               </a:ext>
             </a:extLst>
           </p:cNvPr>
@@ -4304,40 +4385,25 @@
             <p:ph type="title"/>
           </p:nvPr>
         </p:nvSpPr>
-        <p:spPr>
-          <a:xfrm>
-            <a:off x="1286932" y="1204109"/>
-            <a:ext cx="10023398" cy="857894"/>
-          </a:xfrm>
-        </p:spPr>
-        <p:txBody>
-          <a:bodyPr>
-            <a:normAutofit/>
-          </a:bodyPr>
-          <a:lstStyle/>
-          <a:p>
-            <a:r>
-              <a:rPr kumimoji="1" lang="en-US" altLang="zh-CN" sz="4000">
-                <a:solidFill>
-                  <a:srgbClr val="FFFFFF"/>
-                </a:solidFill>
-              </a:rPr>
-              <a:t>Scientifics Computing Libraries in Python</a:t>
-            </a:r>
-            <a:endParaRPr kumimoji="1" lang="zh-CN" altLang="en-US" sz="4000">
-              <a:solidFill>
-                <a:srgbClr val="FFFFFF"/>
-              </a:solidFill>
-            </a:endParaRPr>
-          </a:p>
-        </p:txBody>
-      </p:sp>
-      <p:sp>
-        <p:nvSpPr>
-          <p:cNvPr id="9" name="Content Placeholder 8">
+        <p:spPr/>
+        <p:txBody>
+          <a:bodyPr/>
+          <a:lstStyle/>
+          <a:p>
+            <a:r>
+              <a:rPr kumimoji="1" lang="en-US" altLang="zh-CN" dirty="0"/>
+              <a:t>Other features</a:t>
+            </a:r>
+            <a:endParaRPr kumimoji="1" lang="zh-CN" altLang="en-US" dirty="0"/>
+          </a:p>
+        </p:txBody>
+      </p:sp>
+      <p:sp>
+        <p:nvSpPr>
+          <p:cNvPr id="3" name="内容占位符 2">
             <a:extLst>
               <a:ext uri="{FF2B5EF4-FFF2-40B4-BE49-F238E27FC236}">
-                <a16:creationId xmlns:a16="http://schemas.microsoft.com/office/drawing/2014/main" id="{FAB32CC5-76D3-4368-B281-3FF7BFEF2F8E}"/>
+                <a16:creationId xmlns:a16="http://schemas.microsoft.com/office/drawing/2014/main" id="{F70E7027-84CB-E544-B241-2FD882DA6102}"/>
               </a:ext>
             </a:extLst>
           </p:cNvPr>
@@ -4348,67 +4414,63 @@
             <p:ph idx="1"/>
           </p:nvPr>
         </p:nvSpPr>
-        <p:spPr>
-          <a:xfrm>
-            <a:off x="3726642" y="5503019"/>
-            <a:ext cx="5948986" cy="2820012"/>
-          </a:xfrm>
-        </p:spPr>
-        <p:txBody>
-          <a:bodyPr>
-            <a:normAutofit/>
-          </a:bodyPr>
-          <a:lstStyle/>
-          <a:p>
-            <a:pPr marL="0" indent="0">
-              <a:buNone/>
-            </a:pPr>
-            <a:r>
-              <a:rPr lang="en-US" dirty="0">
-                <a:hlinkClick r:id="rId2"/>
-              </a:rPr>
-              <a:t>https://scipy.org/getting-started.html</a:t>
-            </a:r>
-            <a:endParaRPr lang="en-US" dirty="0">
-              <a:hlinkClick r:id="rId3"/>
-            </a:endParaRPr>
-          </a:p>
-        </p:txBody>
-      </p:sp>
-      <p:pic>
-        <p:nvPicPr>
-          <p:cNvPr id="5" name="内容占位符 4">
-            <a:extLst>
-              <a:ext uri="{FF2B5EF4-FFF2-40B4-BE49-F238E27FC236}">
-                <a16:creationId xmlns:a16="http://schemas.microsoft.com/office/drawing/2014/main" id="{02336C09-5E66-8E4A-BAAF-59154E60F184}"/>
-              </a:ext>
-            </a:extLst>
-          </p:cNvPr>
-          <p:cNvPicPr>
-            <a:picLocks noChangeAspect="1"/>
-          </p:cNvPicPr>
-          <p:nvPr/>
-        </p:nvPicPr>
-        <p:blipFill>
-          <a:blip r:embed="rId4"/>
-          <a:stretch>
-            <a:fillRect/>
-          </a:stretch>
-        </p:blipFill>
-        <p:spPr>
-          <a:xfrm>
-            <a:off x="881670" y="812996"/>
-            <a:ext cx="10388602" cy="4298910"/>
-          </a:xfrm>
-          <a:prstGeom prst="rect">
-            <a:avLst/>
-          </a:prstGeom>
-        </p:spPr>
-      </p:pic>
+        <p:spPr/>
+        <p:txBody>
+          <a:bodyPr/>
+          <a:lstStyle/>
+          <a:p>
+            <a:r>
+              <a:rPr kumimoji="1" lang="en-US" altLang="zh-CN" dirty="0"/>
+              <a:t>Simple language which is easier to learn (than C, Java, JavaScript)</a:t>
+            </a:r>
+          </a:p>
+          <a:p>
+            <a:endParaRPr kumimoji="1" lang="en-US" altLang="zh-CN" dirty="0"/>
+          </a:p>
+          <a:p>
+            <a:r>
+              <a:rPr kumimoji="1" lang="en-US" altLang="zh-CN" dirty="0"/>
+              <a:t>Extensible</a:t>
+            </a:r>
+            <a:r>
+              <a:rPr kumimoji="1" lang="zh-CN" altLang="en-US" dirty="0"/>
+              <a:t> </a:t>
+            </a:r>
+            <a:r>
+              <a:rPr kumimoji="1" lang="en-US" altLang="zh-CN" dirty="0"/>
+              <a:t>and embeddable</a:t>
+            </a:r>
+          </a:p>
+          <a:p>
+            <a:endParaRPr kumimoji="1" lang="en-US" altLang="zh-CN" dirty="0"/>
+          </a:p>
+          <a:p>
+            <a:r>
+              <a:rPr kumimoji="1" lang="en-US" altLang="zh-CN" dirty="0"/>
+              <a:t>Expressiveness of language</a:t>
+            </a:r>
+          </a:p>
+          <a:p>
+            <a:endParaRPr kumimoji="1" lang="en-US" altLang="zh-CN" dirty="0"/>
+          </a:p>
+          <a:p>
+            <a:r>
+              <a:rPr kumimoji="1" lang="en-US" altLang="zh-CN" dirty="0"/>
+              <a:t>Elegant syntax</a:t>
+            </a:r>
+          </a:p>
+          <a:p>
+            <a:endParaRPr kumimoji="1" lang="en-US" altLang="zh-CN" dirty="0"/>
+          </a:p>
+          <a:p>
+            <a:endParaRPr kumimoji="1" lang="zh-CN" altLang="en-US" dirty="0"/>
+          </a:p>
+        </p:txBody>
+      </p:sp>
     </p:spTree>
     <p:extLst>
       <p:ext uri="{BB962C8B-B14F-4D97-AF65-F5344CB8AC3E}">
-        <p14:creationId xmlns:p14="http://schemas.microsoft.com/office/powerpoint/2010/main" val="4245396260"/>
+        <p14:creationId xmlns:p14="http://schemas.microsoft.com/office/powerpoint/2010/main" val="3199302667"/>
       </p:ext>
     </p:extLst>
   </p:cSld>
@@ -4435,151 +4497,76 @@
           <a:chExt cx="0" cy="0"/>
         </a:xfrm>
       </p:grpSpPr>
-      <p:sp>
-        <p:nvSpPr>
-          <p:cNvPr id="2" name="标题 1">
-            <a:extLst>
-              <a:ext uri="{FF2B5EF4-FFF2-40B4-BE49-F238E27FC236}">
-                <a16:creationId xmlns:a16="http://schemas.microsoft.com/office/drawing/2014/main" id="{6D7425BA-5FE2-4F4C-8502-F44DC5070010}"/>
-              </a:ext>
-            </a:extLst>
-          </p:cNvPr>
-          <p:cNvSpPr>
-            <a:spLocks noGrp="1"/>
-          </p:cNvSpPr>
-          <p:nvPr>
-            <p:ph type="title"/>
-          </p:nvPr>
-        </p:nvSpPr>
-        <p:spPr>
-          <a:xfrm>
-            <a:off x="1286932" y="1204109"/>
-            <a:ext cx="10023398" cy="857894"/>
-          </a:xfrm>
-        </p:spPr>
-        <p:txBody>
-          <a:bodyPr>
-            <a:normAutofit/>
-          </a:bodyPr>
-          <a:lstStyle/>
-          <a:p>
-            <a:r>
-              <a:rPr kumimoji="1" lang="en-US" altLang="zh-CN" sz="4000">
-                <a:solidFill>
-                  <a:srgbClr val="FFFFFF"/>
-                </a:solidFill>
-              </a:rPr>
-              <a:t>Visualization Libraries in Python</a:t>
-            </a:r>
-            <a:endParaRPr kumimoji="1" lang="zh-CN" altLang="en-US" sz="4000">
-              <a:solidFill>
-                <a:srgbClr val="FFFFFF"/>
-              </a:solidFill>
-            </a:endParaRPr>
-          </a:p>
-        </p:txBody>
-      </p:sp>
-      <p:sp>
-        <p:nvSpPr>
-          <p:cNvPr id="9" name="Content Placeholder 8">
-            <a:extLst>
-              <a:ext uri="{FF2B5EF4-FFF2-40B4-BE49-F238E27FC236}">
-                <a16:creationId xmlns:a16="http://schemas.microsoft.com/office/drawing/2014/main" id="{9FAEF312-92AB-4731-B61F-137E31C2410F}"/>
-              </a:ext>
-            </a:extLst>
-          </p:cNvPr>
-          <p:cNvSpPr>
-            <a:spLocks noGrp="1"/>
-          </p:cNvSpPr>
-          <p:nvPr>
-            <p:ph idx="1"/>
-          </p:nvPr>
-        </p:nvSpPr>
-        <p:spPr>
-          <a:xfrm>
-            <a:off x="3179526" y="5133187"/>
-            <a:ext cx="7471586" cy="2820012"/>
-          </a:xfrm>
-        </p:spPr>
-        <p:txBody>
-          <a:bodyPr>
-            <a:normAutofit/>
-          </a:bodyPr>
-          <a:lstStyle/>
-          <a:p>
-            <a:pPr marL="0" indent="0">
-              <a:buNone/>
-            </a:pPr>
-            <a:r>
-              <a:rPr lang="en-US" dirty="0">
-                <a:hlinkClick r:id="rId2"/>
-              </a:rPr>
-              <a:t>https://scipy.org/getting-started.html</a:t>
-            </a:r>
-            <a:endParaRPr lang="en-US" dirty="0"/>
-          </a:p>
-          <a:p>
-            <a:pPr marL="0" indent="0">
-              <a:buNone/>
-            </a:pPr>
-            <a:endParaRPr lang="en-US" dirty="0"/>
-          </a:p>
-          <a:p>
-            <a:pPr marL="0" indent="0">
-              <a:buNone/>
-            </a:pPr>
-            <a:r>
-              <a:rPr lang="en-US" dirty="0">
-                <a:hlinkClick r:id="rId3"/>
-              </a:rPr>
-              <a:t>https://seaborn.pydata.org/tutorial.html#tutorial</a:t>
-            </a:r>
-            <a:endParaRPr lang="en-US" dirty="0">
-              <a:hlinkClick r:id="rId4"/>
-            </a:endParaRPr>
-          </a:p>
-          <a:p>
-            <a:pPr marL="0" indent="0">
-              <a:buNone/>
-            </a:pPr>
-            <a:endParaRPr lang="en-US" dirty="0"/>
-          </a:p>
-        </p:txBody>
-      </p:sp>
       <p:pic>
         <p:nvPicPr>
           <p:cNvPr id="5" name="内容占位符 4">
             <a:extLst>
               <a:ext uri="{FF2B5EF4-FFF2-40B4-BE49-F238E27FC236}">
-                <a16:creationId xmlns:a16="http://schemas.microsoft.com/office/drawing/2014/main" id="{CDB226B2-DD14-324D-BE10-B843364500D7}"/>
+                <a16:creationId xmlns:a16="http://schemas.microsoft.com/office/drawing/2014/main" id="{A131ADF2-A3DC-4242-8444-4691F765191E}"/>
               </a:ext>
             </a:extLst>
           </p:cNvPr>
           <p:cNvPicPr>
-            <a:picLocks noChangeAspect="1"/>
+            <a:picLocks noGrp="1" noChangeAspect="1"/>
           </p:cNvPicPr>
-          <p:nvPr/>
+          <p:nvPr>
+            <p:ph idx="1"/>
+          </p:nvPr>
         </p:nvPicPr>
         <p:blipFill>
-          <a:blip r:embed="rId5"/>
+          <a:blip r:embed="rId2"/>
           <a:stretch>
             <a:fillRect/>
           </a:stretch>
         </p:blipFill>
         <p:spPr>
           <a:xfrm>
-            <a:off x="1045633" y="1075537"/>
-            <a:ext cx="10264697" cy="4057650"/>
+            <a:off x="3026542" y="1286934"/>
+            <a:ext cx="6138915" cy="5571066"/>
           </a:xfrm>
           <a:prstGeom prst="rect">
             <a:avLst/>
           </a:prstGeom>
         </p:spPr>
       </p:pic>
+      <p:sp>
+        <p:nvSpPr>
+          <p:cNvPr id="3" name="Title 1">
+            <a:extLst>
+              <a:ext uri="{FF2B5EF4-FFF2-40B4-BE49-F238E27FC236}">
+                <a16:creationId xmlns:a16="http://schemas.microsoft.com/office/drawing/2014/main" id="{673EC12A-0D98-5443-8E4D-C73C5D334396}"/>
+              </a:ext>
+            </a:extLst>
+          </p:cNvPr>
+          <p:cNvSpPr>
+            <a:spLocks noGrp="1"/>
+          </p:cNvSpPr>
+          <p:nvPr>
+            <p:ph type="title"/>
+          </p:nvPr>
+        </p:nvSpPr>
+        <p:spPr>
+          <a:xfrm>
+            <a:off x="838200" y="132043"/>
+            <a:ext cx="10515600" cy="1325563"/>
+          </a:xfrm>
+        </p:spPr>
+        <p:txBody>
+          <a:bodyPr/>
+          <a:lstStyle/>
+          <a:p>
+            <a:pPr algn="ctr"/>
+            <a:r>
+              <a:rPr lang="en-US" altLang="zh-CN" dirty="0"/>
+              <a:t>Why Python for Data? </a:t>
+            </a:r>
+          </a:p>
+        </p:txBody>
+      </p:sp>
     </p:spTree>
     <p:extLst>
       <p:ext uri="{BB962C8B-B14F-4D97-AF65-F5344CB8AC3E}">
-        <p14:creationId xmlns:p14="http://schemas.microsoft.com/office/powerpoint/2010/main" val="2020027268"/>
+        <p14:creationId xmlns:p14="http://schemas.microsoft.com/office/powerpoint/2010/main" val="43033522"/>
       </p:ext>
     </p:extLst>
   </p:cSld>
@@ -4611,7 +4598,7 @@
           <p:cNvPr id="2" name="标题 1">
             <a:extLst>
               <a:ext uri="{FF2B5EF4-FFF2-40B4-BE49-F238E27FC236}">
-                <a16:creationId xmlns:a16="http://schemas.microsoft.com/office/drawing/2014/main" id="{F9A558E4-A992-5248-A8AF-1C0696CD975E}"/>
+                <a16:creationId xmlns:a16="http://schemas.microsoft.com/office/drawing/2014/main" id="{75E20855-B253-B046-96F3-FEBC5BBADCBD}"/>
               </a:ext>
             </a:extLst>
           </p:cNvPr>
@@ -4640,7 +4627,7 @@
                   <a:srgbClr val="FFFFFF"/>
                 </a:solidFill>
               </a:rPr>
-              <a:t>Algorithmic Libraries in Python</a:t>
+              <a:t>Scientifics Computing Libraries in Python</a:t>
             </a:r>
             <a:endParaRPr kumimoji="1" lang="zh-CN" altLang="en-US" sz="4000">
               <a:solidFill>
@@ -4655,7 +4642,7 @@
           <p:cNvPr id="9" name="Content Placeholder 8">
             <a:extLst>
               <a:ext uri="{FF2B5EF4-FFF2-40B4-BE49-F238E27FC236}">
-                <a16:creationId xmlns:a16="http://schemas.microsoft.com/office/drawing/2014/main" id="{49970DDD-81A7-4D98-A21D-CCCC30C9FB09}"/>
+                <a16:creationId xmlns:a16="http://schemas.microsoft.com/office/drawing/2014/main" id="{FAB32CC5-76D3-4368-B281-3FF7BFEF2F8E}"/>
               </a:ext>
             </a:extLst>
           </p:cNvPr>
@@ -4668,8 +4655,8 @@
         </p:nvSpPr>
         <p:spPr>
           <a:xfrm>
-            <a:off x="3222056" y="5361025"/>
-            <a:ext cx="7410502" cy="2820012"/>
+            <a:off x="3726642" y="5503019"/>
+            <a:ext cx="5948986" cy="2820012"/>
           </a:xfrm>
         </p:spPr>
         <p:txBody>
@@ -4685,24 +4672,11 @@
               <a:rPr lang="en-US" dirty="0">
                 <a:hlinkClick r:id="rId2"/>
               </a:rPr>
-              <a:t>https://scikit-learn.org/stable/</a:t>
-            </a:r>
-            <a:endParaRPr lang="en-US" dirty="0"/>
-          </a:p>
-          <a:p>
-            <a:endParaRPr lang="en-US" dirty="0"/>
-          </a:p>
-          <a:p>
-            <a:pPr marL="0" indent="0">
-              <a:buNone/>
-            </a:pPr>
-            <a:r>
-              <a:rPr lang="en-US" dirty="0">
-                <a:hlinkClick r:id="rId3"/>
-              </a:rPr>
-              <a:t>https://www.statsmodels.org/stable/index.html</a:t>
-            </a:r>
-            <a:endParaRPr lang="en-US" dirty="0"/>
+              <a:t>https://scipy.org/getting-started.html</a:t>
+            </a:r>
+            <a:endParaRPr lang="en-US" dirty="0">
+              <a:hlinkClick r:id="rId3"/>
+            </a:endParaRPr>
           </a:p>
         </p:txBody>
       </p:sp>
@@ -4711,7 +4685,7 @@
           <p:cNvPr id="5" name="内容占位符 4">
             <a:extLst>
               <a:ext uri="{FF2B5EF4-FFF2-40B4-BE49-F238E27FC236}">
-                <a16:creationId xmlns:a16="http://schemas.microsoft.com/office/drawing/2014/main" id="{C93A1668-D3B8-A641-BC2E-AAB7576CE889}"/>
+                <a16:creationId xmlns:a16="http://schemas.microsoft.com/office/drawing/2014/main" id="{02336C09-5E66-8E4A-BAAF-59154E60F184}"/>
               </a:ext>
             </a:extLst>
           </p:cNvPr>
@@ -4728,8 +4702,8 @@
         </p:blipFill>
         <p:spPr>
           <a:xfrm>
-            <a:off x="963651" y="1075537"/>
-            <a:ext cx="10264697" cy="4141748"/>
+            <a:off x="881670" y="812996"/>
+            <a:ext cx="10388602" cy="4298910"/>
           </a:xfrm>
           <a:prstGeom prst="rect">
             <a:avLst/>
@@ -4739,7 +4713,7 @@
     </p:spTree>
     <p:extLst>
       <p:ext uri="{BB962C8B-B14F-4D97-AF65-F5344CB8AC3E}">
-        <p14:creationId xmlns:p14="http://schemas.microsoft.com/office/powerpoint/2010/main" val="785556901"/>
+        <p14:creationId xmlns:p14="http://schemas.microsoft.com/office/powerpoint/2010/main" val="4245396260"/>
       </p:ext>
     </p:extLst>
   </p:cSld>
@@ -4768,10 +4742,10 @@
       </p:grpSpPr>
       <p:sp>
         <p:nvSpPr>
-          <p:cNvPr id="3" name="Content Placeholder 2">
+          <p:cNvPr id="2" name="标题 1">
             <a:extLst>
               <a:ext uri="{FF2B5EF4-FFF2-40B4-BE49-F238E27FC236}">
-                <a16:creationId xmlns:a16="http://schemas.microsoft.com/office/drawing/2014/main" id="{444FFF81-CB64-6748-8F87-24DFF1988969}"/>
+                <a16:creationId xmlns:a16="http://schemas.microsoft.com/office/drawing/2014/main" id="{6D7425BA-5FE2-4F4C-8502-F44DC5070010}"/>
               </a:ext>
             </a:extLst>
           </p:cNvPr>
@@ -4779,24 +4753,43 @@
             <a:spLocks noGrp="1"/>
           </p:cNvSpPr>
           <p:nvPr>
-            <p:ph idx="1"/>
-          </p:nvPr>
-        </p:nvSpPr>
-        <p:spPr/>
-        <p:txBody>
-          <a:bodyPr/>
-          <a:lstStyle/>
-          <a:p>
-            <a:endParaRPr lang="en-US" dirty="0"/>
-          </a:p>
-        </p:txBody>
-      </p:sp>
-      <p:sp>
-        <p:nvSpPr>
-          <p:cNvPr id="6" name="Title 5">
+            <p:ph type="title"/>
+          </p:nvPr>
+        </p:nvSpPr>
+        <p:spPr>
+          <a:xfrm>
+            <a:off x="1286932" y="1204109"/>
+            <a:ext cx="10023398" cy="857894"/>
+          </a:xfrm>
+        </p:spPr>
+        <p:txBody>
+          <a:bodyPr>
+            <a:normAutofit/>
+          </a:bodyPr>
+          <a:lstStyle/>
+          <a:p>
+            <a:r>
+              <a:rPr kumimoji="1" lang="en-US" altLang="zh-CN" sz="4000">
+                <a:solidFill>
+                  <a:srgbClr val="FFFFFF"/>
+                </a:solidFill>
+              </a:rPr>
+              <a:t>Visualization Libraries in Python</a:t>
+            </a:r>
+            <a:endParaRPr kumimoji="1" lang="zh-CN" altLang="en-US" sz="4000">
+              <a:solidFill>
+                <a:srgbClr val="FFFFFF"/>
+              </a:solidFill>
+            </a:endParaRPr>
+          </a:p>
+        </p:txBody>
+      </p:sp>
+      <p:sp>
+        <p:nvSpPr>
+          <p:cNvPr id="9" name="Content Placeholder 8">
             <a:extLst>
               <a:ext uri="{FF2B5EF4-FFF2-40B4-BE49-F238E27FC236}">
-                <a16:creationId xmlns:a16="http://schemas.microsoft.com/office/drawing/2014/main" id="{EA8463D6-2B2D-A842-8F2D-D64E57AEB177}"/>
+                <a16:creationId xmlns:a16="http://schemas.microsoft.com/office/drawing/2014/main" id="{9FAEF312-92AB-4731-B61F-137E31C2410F}"/>
               </a:ext>
             </a:extLst>
           </p:cNvPr>
@@ -4804,74 +4797,94 @@
             <a:spLocks noGrp="1"/>
           </p:cNvSpPr>
           <p:nvPr>
-            <p:ph type="title"/>
-          </p:nvPr>
-        </p:nvSpPr>
-        <p:spPr/>
-        <p:txBody>
-          <a:bodyPr/>
-          <a:lstStyle/>
-          <a:p>
-            <a:endParaRPr lang="en-US"/>
-          </a:p>
-        </p:txBody>
-      </p:sp>
-      <p:sp>
-        <p:nvSpPr>
-          <p:cNvPr id="7" name="Download your coding tool">
+            <p:ph idx="1"/>
+          </p:nvPr>
+        </p:nvSpPr>
+        <p:spPr>
+          <a:xfrm>
+            <a:off x="3179526" y="5133187"/>
+            <a:ext cx="7471586" cy="2820012"/>
+          </a:xfrm>
+        </p:spPr>
+        <p:txBody>
+          <a:bodyPr>
+            <a:normAutofit/>
+          </a:bodyPr>
+          <a:lstStyle/>
+          <a:p>
+            <a:pPr marL="0" indent="0">
+              <a:buNone/>
+            </a:pPr>
+            <a:r>
+              <a:rPr lang="en-US" dirty="0">
+                <a:hlinkClick r:id="rId2"/>
+              </a:rPr>
+              <a:t>https://scipy.org/getting-started.html</a:t>
+            </a:r>
+            <a:endParaRPr lang="en-US" dirty="0"/>
+          </a:p>
+          <a:p>
+            <a:pPr marL="0" indent="0">
+              <a:buNone/>
+            </a:pPr>
+            <a:endParaRPr lang="en-US" dirty="0"/>
+          </a:p>
+          <a:p>
+            <a:pPr marL="0" indent="0">
+              <a:buNone/>
+            </a:pPr>
+            <a:r>
+              <a:rPr lang="en-US" dirty="0">
+                <a:hlinkClick r:id="rId3"/>
+              </a:rPr>
+              <a:t>https://seaborn.pydata.org/tutorial.html#tutorial</a:t>
+            </a:r>
+            <a:endParaRPr lang="en-US" dirty="0">
+              <a:hlinkClick r:id="rId4"/>
+            </a:endParaRPr>
+          </a:p>
+          <a:p>
+            <a:pPr marL="0" indent="0">
+              <a:buNone/>
+            </a:pPr>
+            <a:endParaRPr lang="en-US" dirty="0"/>
+          </a:p>
+        </p:txBody>
+      </p:sp>
+      <p:pic>
+        <p:nvPicPr>
+          <p:cNvPr id="5" name="内容占位符 4">
             <a:extLst>
               <a:ext uri="{FF2B5EF4-FFF2-40B4-BE49-F238E27FC236}">
-                <a16:creationId xmlns:a16="http://schemas.microsoft.com/office/drawing/2014/main" id="{8F23BC56-BB95-CB45-9397-3E9CE2436737}"/>
+                <a16:creationId xmlns:a16="http://schemas.microsoft.com/office/drawing/2014/main" id="{CDB226B2-DD14-324D-BE10-B843364500D7}"/>
               </a:ext>
             </a:extLst>
           </p:cNvPr>
-          <p:cNvSpPr txBox="1"/>
+          <p:cNvPicPr>
+            <a:picLocks noChangeAspect="1"/>
+          </p:cNvPicPr>
           <p:nvPr/>
-        </p:nvSpPr>
-        <p:spPr>
-          <a:xfrm>
-            <a:off x="3764432" y="3065140"/>
-            <a:ext cx="4342792" cy="974626"/>
+        </p:nvPicPr>
+        <p:blipFill>
+          <a:blip r:embed="rId5"/>
+          <a:stretch>
+            <a:fillRect/>
+          </a:stretch>
+        </p:blipFill>
+        <p:spPr>
+          <a:xfrm>
+            <a:off x="1045633" y="1075537"/>
+            <a:ext cx="10264697" cy="4057650"/>
           </a:xfrm>
           <a:prstGeom prst="rect">
             <a:avLst/>
           </a:prstGeom>
-          <a:ln w="12700">
-            <a:miter lim="400000"/>
-          </a:ln>
-          <a:extLst>
-            <a:ext uri="{C572A759-6A51-4108-AA02-DFA0A04FC94B}">
-              <ma14:wrappingTextBoxFlag xmlns:ma14="http://schemas.microsoft.com/office/mac/drawingml/2011/main" xmlns:a14="http://schemas.microsoft.com/office/drawing/2010/main" xmlns:m="http://schemas.openxmlformats.org/officeDocument/2006/math" xmlns="" val="1"/>
-            </a:ext>
-          </a:extLst>
-        </p:spPr>
-        <p:txBody>
-          <a:bodyPr wrap="none" lIns="25400" tIns="25400" rIns="25400" bIns="25400" anchor="ctr">
-            <a:spAutoFit/>
-          </a:bodyPr>
-          <a:lstStyle>
-            <a:lvl1pPr>
-              <a:defRPr sz="11000">
-                <a:latin typeface="CircularStd-Black"/>
-                <a:ea typeface="CircularStd-Black"/>
-                <a:cs typeface="CircularStd-Black"/>
-                <a:sym typeface="CircularStd-Black"/>
-              </a:defRPr>
-            </a:lvl1pPr>
-          </a:lstStyle>
-          <a:p>
-            <a:r>
-              <a:rPr lang="en-US" sz="6000" dirty="0"/>
-              <a:t>Python Basics</a:t>
-            </a:r>
-            <a:endParaRPr sz="6000" dirty="0"/>
-          </a:p>
-        </p:txBody>
-      </p:sp>
+        </p:spPr>
+      </p:pic>
     </p:spTree>
     <p:extLst>
       <p:ext uri="{BB962C8B-B14F-4D97-AF65-F5344CB8AC3E}">
-        <p14:creationId xmlns:p14="http://schemas.microsoft.com/office/powerpoint/2010/main" val="3686989078"/>
+        <p14:creationId xmlns:p14="http://schemas.microsoft.com/office/powerpoint/2010/main" val="2020027268"/>
       </p:ext>
     </p:extLst>
   </p:cSld>
@@ -4900,10 +4913,10 @@
       </p:grpSpPr>
       <p:sp>
         <p:nvSpPr>
-          <p:cNvPr id="3" name="Content Placeholder 2">
+          <p:cNvPr id="2" name="标题 1">
             <a:extLst>
               <a:ext uri="{FF2B5EF4-FFF2-40B4-BE49-F238E27FC236}">
-                <a16:creationId xmlns:a16="http://schemas.microsoft.com/office/drawing/2014/main" id="{444FFF81-CB64-6748-8F87-24DFF1988969}"/>
+                <a16:creationId xmlns:a16="http://schemas.microsoft.com/office/drawing/2014/main" id="{F9A558E4-A992-5248-A8AF-1C0696CD975E}"/>
               </a:ext>
             </a:extLst>
           </p:cNvPr>
@@ -4911,105 +4924,127 @@
             <a:spLocks noGrp="1"/>
           </p:cNvSpPr>
           <p:nvPr>
-            <p:ph idx="1"/>
-          </p:nvPr>
-        </p:nvSpPr>
-        <p:spPr>
-          <a:xfrm>
-            <a:off x="838200" y="1775779"/>
-            <a:ext cx="10515600" cy="3306441"/>
-          </a:xfrm>
-        </p:spPr>
-        <p:txBody>
-          <a:bodyPr/>
-          <a:lstStyle/>
-          <a:p>
-            <a:r>
-              <a:rPr kumimoji="1" lang="en-US" altLang="zh-CN" dirty="0"/>
-              <a:t>Head over to our </a:t>
-            </a:r>
-            <a:r>
-              <a:rPr kumimoji="1" lang="en-US" altLang="zh-CN" dirty="0" err="1"/>
-              <a:t>Jupyter</a:t>
-            </a:r>
-            <a:r>
-              <a:rPr kumimoji="1" lang="en-US" altLang="zh-CN" dirty="0"/>
-              <a:t> Notebook</a:t>
-            </a:r>
-          </a:p>
-          <a:p>
-            <a:endParaRPr kumimoji="1" lang="en-US" altLang="zh-CN" dirty="0"/>
-          </a:p>
-          <a:p>
-            <a:endParaRPr kumimoji="1" lang="en-US" altLang="zh-CN" dirty="0"/>
-          </a:p>
-          <a:p>
-            <a:endParaRPr kumimoji="1" lang="en-US" altLang="zh-CN" dirty="0"/>
-          </a:p>
-          <a:p>
-            <a:pPr marL="0" indent="0">
-              <a:buNone/>
-            </a:pPr>
-            <a:endParaRPr kumimoji="1" lang="en-US" altLang="zh-CN" dirty="0"/>
-          </a:p>
-        </p:txBody>
-      </p:sp>
-      <p:sp>
-        <p:nvSpPr>
-          <p:cNvPr id="4" name="Download your coding tool">
+            <p:ph type="title"/>
+          </p:nvPr>
+        </p:nvSpPr>
+        <p:spPr>
+          <a:xfrm>
+            <a:off x="1286932" y="1204109"/>
+            <a:ext cx="10023398" cy="857894"/>
+          </a:xfrm>
+        </p:spPr>
+        <p:txBody>
+          <a:bodyPr>
+            <a:normAutofit/>
+          </a:bodyPr>
+          <a:lstStyle/>
+          <a:p>
+            <a:r>
+              <a:rPr kumimoji="1" lang="en-US" altLang="zh-CN" sz="4000">
+                <a:solidFill>
+                  <a:srgbClr val="FFFFFF"/>
+                </a:solidFill>
+              </a:rPr>
+              <a:t>Algorithmic Libraries in Python</a:t>
+            </a:r>
+            <a:endParaRPr kumimoji="1" lang="zh-CN" altLang="en-US" sz="4000">
+              <a:solidFill>
+                <a:srgbClr val="FFFFFF"/>
+              </a:solidFill>
+            </a:endParaRPr>
+          </a:p>
+        </p:txBody>
+      </p:sp>
+      <p:sp>
+        <p:nvSpPr>
+          <p:cNvPr id="9" name="Content Placeholder 8">
             <a:extLst>
               <a:ext uri="{FF2B5EF4-FFF2-40B4-BE49-F238E27FC236}">
-                <a16:creationId xmlns:a16="http://schemas.microsoft.com/office/drawing/2014/main" id="{F402FCAF-FF85-4FC5-BB69-DFEB54A533D1}"/>
+                <a16:creationId xmlns:a16="http://schemas.microsoft.com/office/drawing/2014/main" id="{49970DDD-81A7-4D98-A21D-CCCC30C9FB09}"/>
               </a:ext>
             </a:extLst>
           </p:cNvPr>
-          <p:cNvSpPr txBox="1"/>
+          <p:cNvSpPr>
+            <a:spLocks noGrp="1"/>
+          </p:cNvSpPr>
+          <p:nvPr>
+            <p:ph idx="1"/>
+          </p:nvPr>
+        </p:nvSpPr>
+        <p:spPr>
+          <a:xfrm>
+            <a:off x="3222056" y="5361025"/>
+            <a:ext cx="7410502" cy="2820012"/>
+          </a:xfrm>
+        </p:spPr>
+        <p:txBody>
+          <a:bodyPr>
+            <a:normAutofit/>
+          </a:bodyPr>
+          <a:lstStyle/>
+          <a:p>
+            <a:pPr marL="0" indent="0">
+              <a:buNone/>
+            </a:pPr>
+            <a:r>
+              <a:rPr lang="en-US" dirty="0">
+                <a:hlinkClick r:id="rId2"/>
+              </a:rPr>
+              <a:t>https://scikit-learn.org/stable/</a:t>
+            </a:r>
+            <a:endParaRPr lang="en-US" dirty="0"/>
+          </a:p>
+          <a:p>
+            <a:endParaRPr lang="en-US" dirty="0"/>
+          </a:p>
+          <a:p>
+            <a:pPr marL="0" indent="0">
+              <a:buNone/>
+            </a:pPr>
+            <a:r>
+              <a:rPr lang="en-US" dirty="0">
+                <a:hlinkClick r:id="rId3"/>
+              </a:rPr>
+              <a:t>https://www.statsmodels.org/stable/index.html</a:t>
+            </a:r>
+            <a:endParaRPr lang="en-US" dirty="0"/>
+          </a:p>
+        </p:txBody>
+      </p:sp>
+      <p:pic>
+        <p:nvPicPr>
+          <p:cNvPr id="5" name="内容占位符 4">
+            <a:extLst>
+              <a:ext uri="{FF2B5EF4-FFF2-40B4-BE49-F238E27FC236}">
+                <a16:creationId xmlns:a16="http://schemas.microsoft.com/office/drawing/2014/main" id="{C93A1668-D3B8-A641-BC2E-AAB7576CE889}"/>
+              </a:ext>
+            </a:extLst>
+          </p:cNvPr>
+          <p:cNvPicPr>
+            <a:picLocks noChangeAspect="1"/>
+          </p:cNvPicPr>
           <p:nvPr/>
-        </p:nvSpPr>
-        <p:spPr>
-          <a:xfrm>
-            <a:off x="1928096" y="2941978"/>
-            <a:ext cx="8335808" cy="1066959"/>
+        </p:nvPicPr>
+        <p:blipFill>
+          <a:blip r:embed="rId4"/>
+          <a:stretch>
+            <a:fillRect/>
+          </a:stretch>
+        </p:blipFill>
+        <p:spPr>
+          <a:xfrm>
+            <a:off x="963651" y="1075537"/>
+            <a:ext cx="10264697" cy="4141748"/>
           </a:xfrm>
           <a:prstGeom prst="rect">
             <a:avLst/>
           </a:prstGeom>
-          <a:ln w="12700">
-            <a:miter lim="400000"/>
-          </a:ln>
-          <a:extLst>
-            <a:ext uri="{C572A759-6A51-4108-AA02-DFA0A04FC94B}">
-              <ma14:wrappingTextBoxFlag xmlns:ma14="http://schemas.microsoft.com/office/mac/drawingml/2011/main" xmlns:a14="http://schemas.microsoft.com/office/drawing/2010/main" xmlns:m="http://schemas.openxmlformats.org/officeDocument/2006/math" xmlns="" val="1"/>
-            </a:ext>
-          </a:extLst>
-        </p:spPr>
-        <p:txBody>
-          <a:bodyPr wrap="none" lIns="25400" tIns="25400" rIns="25400" bIns="25400" anchor="ctr">
-            <a:spAutoFit/>
-          </a:bodyPr>
-          <a:lstStyle>
-            <a:lvl1pPr>
-              <a:defRPr sz="11000">
-                <a:latin typeface="CircularStd-Black"/>
-                <a:ea typeface="CircularStd-Black"/>
-                <a:cs typeface="CircularStd-Black"/>
-                <a:sym typeface="CircularStd-Black"/>
-              </a:defRPr>
-            </a:lvl1pPr>
-          </a:lstStyle>
-          <a:p>
-            <a:pPr algn="ctr"/>
-            <a:r>
-              <a:rPr lang="en-US" sz="6600" dirty="0"/>
-              <a:t>http://bit.ly/pywebintro</a:t>
-            </a:r>
-          </a:p>
-        </p:txBody>
-      </p:sp>
+        </p:spPr>
+      </p:pic>
     </p:spTree>
     <p:extLst>
       <p:ext uri="{BB962C8B-B14F-4D97-AF65-F5344CB8AC3E}">
-        <p14:creationId xmlns:p14="http://schemas.microsoft.com/office/powerpoint/2010/main" val="3405396463"/>
+        <p14:creationId xmlns:p14="http://schemas.microsoft.com/office/powerpoint/2010/main" val="785556901"/>
       </p:ext>
     </p:extLst>
   </p:cSld>
@@ -5036,6 +5071,276 @@
           <a:chExt cx="0" cy="0"/>
         </a:xfrm>
       </p:grpSpPr>
+      <p:sp>
+        <p:nvSpPr>
+          <p:cNvPr id="3" name="Content Placeholder 2">
+            <a:extLst>
+              <a:ext uri="{FF2B5EF4-FFF2-40B4-BE49-F238E27FC236}">
+                <a16:creationId xmlns:a16="http://schemas.microsoft.com/office/drawing/2014/main" id="{444FFF81-CB64-6748-8F87-24DFF1988969}"/>
+              </a:ext>
+            </a:extLst>
+          </p:cNvPr>
+          <p:cNvSpPr>
+            <a:spLocks noGrp="1"/>
+          </p:cNvSpPr>
+          <p:nvPr>
+            <p:ph idx="1"/>
+          </p:nvPr>
+        </p:nvSpPr>
+        <p:spPr/>
+        <p:txBody>
+          <a:bodyPr/>
+          <a:lstStyle/>
+          <a:p>
+            <a:endParaRPr lang="en-US" dirty="0"/>
+          </a:p>
+        </p:txBody>
+      </p:sp>
+      <p:sp>
+        <p:nvSpPr>
+          <p:cNvPr id="6" name="Title 5">
+            <a:extLst>
+              <a:ext uri="{FF2B5EF4-FFF2-40B4-BE49-F238E27FC236}">
+                <a16:creationId xmlns:a16="http://schemas.microsoft.com/office/drawing/2014/main" id="{EA8463D6-2B2D-A842-8F2D-D64E57AEB177}"/>
+              </a:ext>
+            </a:extLst>
+          </p:cNvPr>
+          <p:cNvSpPr>
+            <a:spLocks noGrp="1"/>
+          </p:cNvSpPr>
+          <p:nvPr>
+            <p:ph type="title"/>
+          </p:nvPr>
+        </p:nvSpPr>
+        <p:spPr/>
+        <p:txBody>
+          <a:bodyPr/>
+          <a:lstStyle/>
+          <a:p>
+            <a:endParaRPr lang="en-US"/>
+          </a:p>
+        </p:txBody>
+      </p:sp>
+      <p:sp>
+        <p:nvSpPr>
+          <p:cNvPr id="7" name="Download your coding tool">
+            <a:extLst>
+              <a:ext uri="{FF2B5EF4-FFF2-40B4-BE49-F238E27FC236}">
+                <a16:creationId xmlns:a16="http://schemas.microsoft.com/office/drawing/2014/main" id="{8F23BC56-BB95-CB45-9397-3E9CE2436737}"/>
+              </a:ext>
+            </a:extLst>
+          </p:cNvPr>
+          <p:cNvSpPr txBox="1"/>
+          <p:nvPr/>
+        </p:nvSpPr>
+        <p:spPr>
+          <a:xfrm>
+            <a:off x="3764432" y="3065140"/>
+            <a:ext cx="4342792" cy="974626"/>
+          </a:xfrm>
+          <a:prstGeom prst="rect">
+            <a:avLst/>
+          </a:prstGeom>
+          <a:ln w="12700">
+            <a:miter lim="400000"/>
+          </a:ln>
+          <a:extLst>
+            <a:ext uri="{C572A759-6A51-4108-AA02-DFA0A04FC94B}">
+              <ma14:wrappingTextBoxFlag xmlns="" xmlns:m="http://schemas.openxmlformats.org/officeDocument/2006/math" xmlns:a14="http://schemas.microsoft.com/office/drawing/2010/main" xmlns:ma14="http://schemas.microsoft.com/office/mac/drawingml/2011/main" val="1"/>
+            </a:ext>
+          </a:extLst>
+        </p:spPr>
+        <p:txBody>
+          <a:bodyPr wrap="none" lIns="25400" tIns="25400" rIns="25400" bIns="25400" anchor="ctr">
+            <a:spAutoFit/>
+          </a:bodyPr>
+          <a:lstStyle>
+            <a:lvl1pPr>
+              <a:defRPr sz="11000">
+                <a:latin typeface="CircularStd-Black"/>
+                <a:ea typeface="CircularStd-Black"/>
+                <a:cs typeface="CircularStd-Black"/>
+                <a:sym typeface="CircularStd-Black"/>
+              </a:defRPr>
+            </a:lvl1pPr>
+          </a:lstStyle>
+          <a:p>
+            <a:r>
+              <a:rPr lang="en-US" sz="6000" dirty="0"/>
+              <a:t>Python Basics</a:t>
+            </a:r>
+            <a:endParaRPr sz="6000" dirty="0"/>
+          </a:p>
+        </p:txBody>
+      </p:sp>
+    </p:spTree>
+    <p:extLst>
+      <p:ext uri="{BB962C8B-B14F-4D97-AF65-F5344CB8AC3E}">
+        <p14:creationId xmlns:p14="http://schemas.microsoft.com/office/powerpoint/2010/main" val="3686989078"/>
+      </p:ext>
+    </p:extLst>
+  </p:cSld>
+  <p:clrMapOvr>
+    <a:masterClrMapping/>
+  </p:clrMapOvr>
+</p:sld>
+</file>
+
+<file path=ppt/slides/slide17.xml><?xml version="1.0" encoding="utf-8"?>
+<p:sld xmlns:a="http://schemas.openxmlformats.org/drawingml/2006/main" xmlns:r="http://schemas.openxmlformats.org/officeDocument/2006/relationships" xmlns:p="http://schemas.openxmlformats.org/presentationml/2006/main" showMasterSp="0">
+  <p:cSld>
+    <p:spTree>
+      <p:nvGrpSpPr>
+        <p:cNvPr id="1" name=""/>
+        <p:cNvGrpSpPr/>
+        <p:nvPr/>
+      </p:nvGrpSpPr>
+      <p:grpSpPr>
+        <a:xfrm>
+          <a:off x="0" y="0"/>
+          <a:ext cx="0" cy="0"/>
+          <a:chOff x="0" y="0"/>
+          <a:chExt cx="0" cy="0"/>
+        </a:xfrm>
+      </p:grpSpPr>
+      <p:sp>
+        <p:nvSpPr>
+          <p:cNvPr id="3" name="Content Placeholder 2">
+            <a:extLst>
+              <a:ext uri="{FF2B5EF4-FFF2-40B4-BE49-F238E27FC236}">
+                <a16:creationId xmlns:a16="http://schemas.microsoft.com/office/drawing/2014/main" id="{444FFF81-CB64-6748-8F87-24DFF1988969}"/>
+              </a:ext>
+            </a:extLst>
+          </p:cNvPr>
+          <p:cNvSpPr>
+            <a:spLocks noGrp="1"/>
+          </p:cNvSpPr>
+          <p:nvPr>
+            <p:ph idx="1"/>
+          </p:nvPr>
+        </p:nvSpPr>
+        <p:spPr>
+          <a:xfrm>
+            <a:off x="838200" y="1775779"/>
+            <a:ext cx="10515600" cy="3306441"/>
+          </a:xfrm>
+        </p:spPr>
+        <p:txBody>
+          <a:bodyPr/>
+          <a:lstStyle/>
+          <a:p>
+            <a:r>
+              <a:rPr kumimoji="1" lang="en-US" altLang="zh-CN" dirty="0"/>
+              <a:t>Head over to our </a:t>
+            </a:r>
+            <a:r>
+              <a:rPr kumimoji="1" lang="en-US" altLang="zh-CN" dirty="0" err="1"/>
+              <a:t>Jupyter</a:t>
+            </a:r>
+            <a:r>
+              <a:rPr kumimoji="1" lang="en-US" altLang="zh-CN" dirty="0"/>
+              <a:t> Notebook</a:t>
+            </a:r>
+          </a:p>
+          <a:p>
+            <a:endParaRPr kumimoji="1" lang="en-US" altLang="zh-CN" dirty="0"/>
+          </a:p>
+          <a:p>
+            <a:endParaRPr kumimoji="1" lang="en-US" altLang="zh-CN" dirty="0"/>
+          </a:p>
+          <a:p>
+            <a:endParaRPr kumimoji="1" lang="en-US" altLang="zh-CN" dirty="0"/>
+          </a:p>
+          <a:p>
+            <a:pPr marL="0" indent="0">
+              <a:buNone/>
+            </a:pPr>
+            <a:endParaRPr kumimoji="1" lang="en-US" altLang="zh-CN" dirty="0"/>
+          </a:p>
+        </p:txBody>
+      </p:sp>
+      <p:sp>
+        <p:nvSpPr>
+          <p:cNvPr id="4" name="Download your coding tool">
+            <a:extLst>
+              <a:ext uri="{FF2B5EF4-FFF2-40B4-BE49-F238E27FC236}">
+                <a16:creationId xmlns:a16="http://schemas.microsoft.com/office/drawing/2014/main" id="{F402FCAF-FF85-4FC5-BB69-DFEB54A533D1}"/>
+              </a:ext>
+            </a:extLst>
+          </p:cNvPr>
+          <p:cNvSpPr txBox="1"/>
+          <p:nvPr/>
+        </p:nvSpPr>
+        <p:spPr>
+          <a:xfrm>
+            <a:off x="2399122" y="2941978"/>
+            <a:ext cx="7393755" cy="1066959"/>
+          </a:xfrm>
+          <a:prstGeom prst="rect">
+            <a:avLst/>
+          </a:prstGeom>
+          <a:ln w="12700">
+            <a:miter lim="400000"/>
+          </a:ln>
+          <a:extLst>
+            <a:ext uri="{C572A759-6A51-4108-AA02-DFA0A04FC94B}">
+              <ma14:wrappingTextBoxFlag xmlns="" xmlns:m="http://schemas.openxmlformats.org/officeDocument/2006/math" xmlns:a14="http://schemas.microsoft.com/office/drawing/2010/main" xmlns:ma14="http://schemas.microsoft.com/office/mac/drawingml/2011/main" val="1"/>
+            </a:ext>
+          </a:extLst>
+        </p:spPr>
+        <p:txBody>
+          <a:bodyPr wrap="none" lIns="25400" tIns="25400" rIns="25400" bIns="25400" anchor="ctr">
+            <a:spAutoFit/>
+          </a:bodyPr>
+          <a:lstStyle>
+            <a:lvl1pPr>
+              <a:defRPr sz="11000">
+                <a:latin typeface="CircularStd-Black"/>
+                <a:ea typeface="CircularStd-Black"/>
+                <a:cs typeface="CircularStd-Black"/>
+                <a:sym typeface="CircularStd-Black"/>
+              </a:defRPr>
+            </a:lvl1pPr>
+          </a:lstStyle>
+          <a:p>
+            <a:pPr algn="ctr"/>
+            <a:r>
+              <a:rPr lang="en-US" sz="6600" dirty="0"/>
+              <a:t>http://bit.ly/nugspws</a:t>
+            </a:r>
+          </a:p>
+        </p:txBody>
+      </p:sp>
+    </p:spTree>
+    <p:extLst>
+      <p:ext uri="{BB962C8B-B14F-4D97-AF65-F5344CB8AC3E}">
+        <p14:creationId xmlns:p14="http://schemas.microsoft.com/office/powerpoint/2010/main" val="3405396463"/>
+      </p:ext>
+    </p:extLst>
+  </p:cSld>
+  <p:clrMapOvr>
+    <a:masterClrMapping/>
+  </p:clrMapOvr>
+</p:sld>
+</file>
+
+<file path=ppt/slides/slide18.xml><?xml version="1.0" encoding="utf-8"?>
+<p:sld xmlns:a="http://schemas.openxmlformats.org/drawingml/2006/main" xmlns:r="http://schemas.openxmlformats.org/officeDocument/2006/relationships" xmlns:p="http://schemas.openxmlformats.org/presentationml/2006/main" showMasterSp="0">
+  <p:cSld>
+    <p:spTree>
+      <p:nvGrpSpPr>
+        <p:cNvPr id="1" name=""/>
+        <p:cNvGrpSpPr/>
+        <p:nvPr/>
+      </p:nvGrpSpPr>
+      <p:grpSpPr>
+        <a:xfrm>
+          <a:off x="0" y="0"/>
+          <a:ext cx="0" cy="0"/>
+          <a:chOff x="0" y="0"/>
+          <a:chExt cx="0" cy="0"/>
+        </a:xfrm>
+      </p:grpSpPr>
       <p:grpSp>
         <p:nvGrpSpPr>
           <p:cNvPr id="897" name="Group"/>
@@ -5072,7 +5377,7 @@
             <a:effectLst/>
             <a:extLst>
               <a:ext uri="{C572A759-6A51-4108-AA02-DFA0A04FC94B}">
-                <ma14:wrappingTextBoxFlag xmlns:ma14="http://schemas.microsoft.com/office/mac/drawingml/2011/main" xmlns:a14="http://schemas.microsoft.com/office/drawing/2010/main" xmlns:m="http://schemas.openxmlformats.org/officeDocument/2006/math" xmlns="" val="1"/>
+                <ma14:wrappingTextBoxFlag xmlns="" xmlns:m="http://schemas.openxmlformats.org/officeDocument/2006/math" xmlns:a14="http://schemas.microsoft.com/office/drawing/2010/main" xmlns:ma14="http://schemas.microsoft.com/office/mac/drawingml/2011/main" val="1"/>
               </a:ext>
             </a:extLst>
           </p:spPr>
@@ -5159,7 +5464,7 @@
             <a:effectLst/>
             <a:extLst>
               <a:ext uri="{C572A759-6A51-4108-AA02-DFA0A04FC94B}">
-                <ma14:wrappingTextBoxFlag xmlns:ma14="http://schemas.microsoft.com/office/mac/drawingml/2011/main" xmlns:a14="http://schemas.microsoft.com/office/drawing/2010/main" xmlns:m="http://schemas.openxmlformats.org/officeDocument/2006/math" xmlns="" val="1"/>
+                <ma14:wrappingTextBoxFlag xmlns="" xmlns:m="http://schemas.openxmlformats.org/officeDocument/2006/math" xmlns:a14="http://schemas.microsoft.com/office/drawing/2010/main" xmlns:ma14="http://schemas.microsoft.com/office/mac/drawingml/2011/main" val="1"/>
               </a:ext>
             </a:extLst>
           </p:spPr>
@@ -5189,42 +5494,6 @@
           </p:txBody>
         </p:sp>
       </p:grpSp>
-      <p:sp>
-        <p:nvSpPr>
-          <p:cNvPr id="2" name="TextBox 1">
-            <a:extLst>
-              <a:ext uri="{FF2B5EF4-FFF2-40B4-BE49-F238E27FC236}">
-                <a16:creationId xmlns:a16="http://schemas.microsoft.com/office/drawing/2014/main" id="{6BE42A6F-9CC8-4292-ABEC-DF2B4AE7E4E2}"/>
-              </a:ext>
-            </a:extLst>
-          </p:cNvPr>
-          <p:cNvSpPr txBox="1"/>
-          <p:nvPr/>
-        </p:nvSpPr>
-        <p:spPr>
-          <a:xfrm>
-            <a:off x="1332258" y="3476198"/>
-            <a:ext cx="9310341" cy="1107996"/>
-          </a:xfrm>
-          <a:prstGeom prst="rect">
-            <a:avLst/>
-          </a:prstGeom>
-          <a:noFill/>
-        </p:spPr>
-        <p:txBody>
-          <a:bodyPr wrap="square" rtlCol="0">
-            <a:spAutoFit/>
-          </a:bodyPr>
-          <a:lstStyle/>
-          <a:p>
-            <a:r>
-              <a:rPr lang="en-US" sz="6600" b="1" dirty="0"/>
-              <a:t>http://bit.ly/py_feedback</a:t>
-            </a:r>
-            <a:endParaRPr lang="en-GH" sz="6600" b="1" dirty="0"/>
-          </a:p>
-        </p:txBody>
-      </p:sp>
     </p:spTree>
     <p:extLst>
       <p:ext uri="{BB962C8B-B14F-4D97-AF65-F5344CB8AC3E}">
@@ -5256,258 +5525,12 @@
           <a:chExt cx="0" cy="0"/>
         </a:xfrm>
       </p:grpSpPr>
-      <p:sp>
-        <p:nvSpPr>
-          <p:cNvPr id="281" name="Content &amp; Structure"/>
-          <p:cNvSpPr txBox="1"/>
-          <p:nvPr/>
-        </p:nvSpPr>
-        <p:spPr>
-          <a:xfrm>
-            <a:off x="1545205" y="2374636"/>
-            <a:ext cx="1837041" cy="713016"/>
-          </a:xfrm>
-          <a:prstGeom prst="rect">
-            <a:avLst/>
-          </a:prstGeom>
-          <a:ln w="12700">
-            <a:miter lim="400000"/>
-          </a:ln>
-          <a:extLst>
-            <a:ext uri="{C572A759-6A51-4108-AA02-DFA0A04FC94B}">
-              <ma14:wrappingTextBoxFlag xmlns:ma14="http://schemas.microsoft.com/office/mac/drawingml/2011/main" xmlns:a14="http://schemas.microsoft.com/office/drawing/2010/main" xmlns:m="http://schemas.openxmlformats.org/officeDocument/2006/math" xmlns="" val="1"/>
-            </a:ext>
-          </a:extLst>
-        </p:spPr>
-        <p:txBody>
-          <a:bodyPr wrap="none" lIns="25400" tIns="25400" rIns="25400" bIns="25400" anchor="ctr">
-            <a:spAutoFit/>
-          </a:bodyPr>
-          <a:lstStyle>
-            <a:lvl1pPr algn="l">
-              <a:defRPr sz="8600">
-                <a:latin typeface="CircularStd-Black"/>
-                <a:ea typeface="CircularStd-Black"/>
-                <a:cs typeface="CircularStd-Black"/>
-                <a:sym typeface="CircularStd-Black"/>
-              </a:defRPr>
-            </a:lvl1pPr>
-          </a:lstStyle>
-          <a:p>
-            <a:r>
-              <a:rPr lang="en-US" sz="4300" dirty="0"/>
-              <a:t>Michael</a:t>
-            </a:r>
-            <a:endParaRPr sz="4300" dirty="0"/>
-          </a:p>
-        </p:txBody>
-      </p:sp>
-      <p:sp>
-        <p:nvSpPr>
-          <p:cNvPr id="282" name="All the content displayed on the page, and what Google cares about (SEO)."/>
-          <p:cNvSpPr txBox="1"/>
-          <p:nvPr/>
-        </p:nvSpPr>
-        <p:spPr>
-          <a:xfrm>
-            <a:off x="1545205" y="3454828"/>
-            <a:ext cx="5325495" cy="2378087"/>
-          </a:xfrm>
-          <a:prstGeom prst="rect">
-            <a:avLst/>
-          </a:prstGeom>
-          <a:ln w="12700">
-            <a:miter lim="400000"/>
-          </a:ln>
-          <a:extLst>
-            <a:ext uri="{C572A759-6A51-4108-AA02-DFA0A04FC94B}">
-              <ma14:wrappingTextBoxFlag xmlns:ma14="http://schemas.microsoft.com/office/mac/drawingml/2011/main" xmlns:a14="http://schemas.microsoft.com/office/drawing/2010/main" xmlns:m="http://schemas.openxmlformats.org/officeDocument/2006/math" xmlns="" val="1"/>
-            </a:ext>
-          </a:extLst>
-        </p:spPr>
-        <p:txBody>
-          <a:bodyPr wrap="square" lIns="25400" tIns="25400" rIns="25400" bIns="25400">
-            <a:spAutoFit/>
-          </a:bodyPr>
-          <a:lstStyle>
-            <a:lvl1pPr algn="l">
-              <a:lnSpc>
-                <a:spcPct val="90000"/>
-              </a:lnSpc>
-              <a:defRPr sz="5600" baseline="35714">
-                <a:solidFill>
-                  <a:srgbClr val="53585F"/>
-                </a:solidFill>
-                <a:latin typeface="SF Pro Text Light"/>
-                <a:ea typeface="SF Pro Text Light"/>
-                <a:cs typeface="SF Pro Text Light"/>
-                <a:sym typeface="SF Pro Text Light"/>
-              </a:defRPr>
-            </a:lvl1pPr>
-          </a:lstStyle>
-          <a:p>
-            <a:endParaRPr lang="en-US" sz="2800" dirty="0"/>
-          </a:p>
-          <a:p>
-            <a:r>
-              <a:rPr lang="en-US" sz="2800" dirty="0"/>
-              <a:t>M.Eng. Computer Science &amp; Technology</a:t>
-            </a:r>
-          </a:p>
-          <a:p>
-            <a:r>
-              <a:rPr lang="en-US" sz="2800" dirty="0"/>
-              <a:t>University of Electronic Science &amp; Technology of China</a:t>
-            </a:r>
-          </a:p>
-          <a:p>
-            <a:endParaRPr lang="en-US" sz="2800" dirty="0"/>
-          </a:p>
-          <a:p>
-            <a:r>
-              <a:rPr lang="en-US" sz="2800" dirty="0"/>
-              <a:t>Campus Ambassador, Le Wagon Chengdu</a:t>
-            </a:r>
-          </a:p>
-          <a:p>
-            <a:endParaRPr lang="en-US" sz="2800" dirty="0"/>
-          </a:p>
-          <a:p>
-            <a:r>
-              <a:rPr lang="en-US" sz="2800" dirty="0">
-                <a:hlinkClick r:id="rId2"/>
-              </a:rPr>
-              <a:t>mills.mykel@gmail.com</a:t>
-            </a:r>
-            <a:endParaRPr lang="en-US" sz="2800" dirty="0"/>
-          </a:p>
-          <a:p>
-            <a:r>
-              <a:rPr lang="en-US" sz="2800" dirty="0"/>
-              <a:t>+8613281170326</a:t>
-            </a:r>
-          </a:p>
-          <a:p>
-            <a:endParaRPr sz="2800" dirty="0"/>
-          </a:p>
-        </p:txBody>
-      </p:sp>
-      <p:sp>
-        <p:nvSpPr>
-          <p:cNvPr id="9" name="HTML.">
+      <p:pic>
+        <p:nvPicPr>
+          <p:cNvPr id="5" name="Picture 4" descr="Timeline&#10;&#10;Description automatically generated with medium confidence">
             <a:extLst>
               <a:ext uri="{FF2B5EF4-FFF2-40B4-BE49-F238E27FC236}">
-                <a16:creationId xmlns:a16="http://schemas.microsoft.com/office/drawing/2014/main" id="{C9A5A3EE-488D-EF41-B69D-2764B8C6381F}"/>
-              </a:ext>
-            </a:extLst>
-          </p:cNvPr>
-          <p:cNvSpPr txBox="1"/>
-          <p:nvPr/>
-        </p:nvSpPr>
-        <p:spPr>
-          <a:xfrm>
-            <a:off x="5438500" y="691751"/>
-            <a:ext cx="2755599" cy="713016"/>
-          </a:xfrm>
-          <a:prstGeom prst="rect">
-            <a:avLst/>
-          </a:prstGeom>
-          <a:solidFill>
-            <a:srgbClr val="FBF1F1"/>
-          </a:solidFill>
-          <a:ln w="12700">
-            <a:miter lim="400000"/>
-          </a:ln>
-          <a:extLst>
-            <a:ext uri="{C572A759-6A51-4108-AA02-DFA0A04FC94B}">
-              <ma14:wrappingTextBoxFlag xmlns:ma14="http://schemas.microsoft.com/office/mac/drawingml/2011/main" xmlns:a14="http://schemas.microsoft.com/office/drawing/2010/main" xmlns:m="http://schemas.openxmlformats.org/officeDocument/2006/math" xmlns="" val="1"/>
-            </a:ext>
-          </a:extLst>
-        </p:spPr>
-        <p:txBody>
-          <a:bodyPr wrap="square" lIns="25400" tIns="25400" rIns="25400" bIns="25400" anchor="ctr">
-            <a:spAutoFit/>
-          </a:bodyPr>
-          <a:lstStyle>
-            <a:lvl1pPr>
-              <a:defRPr sz="8600">
-                <a:solidFill>
-                  <a:srgbClr val="FD1015"/>
-                </a:solidFill>
-                <a:latin typeface="CircularStd-Black"/>
-                <a:ea typeface="CircularStd-Black"/>
-                <a:cs typeface="CircularStd-Black"/>
-                <a:sym typeface="CircularStd-Black"/>
-              </a:defRPr>
-            </a:lvl1pPr>
-          </a:lstStyle>
-          <a:p>
-            <a:r>
-              <a:rPr lang="en-US" sz="4300" dirty="0"/>
-              <a:t>Instructor</a:t>
-            </a:r>
-            <a:endParaRPr sz="4300" dirty="0"/>
-          </a:p>
-        </p:txBody>
-      </p:sp>
-      <p:sp>
-        <p:nvSpPr>
-          <p:cNvPr id="10" name="Content &amp; Structure">
-            <a:extLst>
-              <a:ext uri="{FF2B5EF4-FFF2-40B4-BE49-F238E27FC236}">
-                <a16:creationId xmlns:a16="http://schemas.microsoft.com/office/drawing/2014/main" id="{B751FC6C-449C-C048-AE7A-96C21ADB09D2}"/>
-              </a:ext>
-            </a:extLst>
-          </p:cNvPr>
-          <p:cNvSpPr txBox="1"/>
-          <p:nvPr/>
-        </p:nvSpPr>
-        <p:spPr>
-          <a:xfrm>
-            <a:off x="3183835" y="685402"/>
-            <a:ext cx="2080698" cy="713016"/>
-          </a:xfrm>
-          <a:prstGeom prst="rect">
-            <a:avLst/>
-          </a:prstGeom>
-          <a:ln w="12700">
-            <a:miter lim="400000"/>
-          </a:ln>
-          <a:extLst>
-            <a:ext uri="{C572A759-6A51-4108-AA02-DFA0A04FC94B}">
-              <ma14:wrappingTextBoxFlag xmlns:ma14="http://schemas.microsoft.com/office/mac/drawingml/2011/main" xmlns:a14="http://schemas.microsoft.com/office/drawing/2010/main" xmlns:m="http://schemas.openxmlformats.org/officeDocument/2006/math" xmlns="" val="1"/>
-            </a:ext>
-          </a:extLst>
-        </p:spPr>
-        <p:txBody>
-          <a:bodyPr wrap="none" lIns="25400" tIns="25400" rIns="25400" bIns="25400" anchor="ctr">
-            <a:spAutoFit/>
-          </a:bodyPr>
-          <a:lstStyle>
-            <a:lvl1pPr algn="l">
-              <a:defRPr sz="8600">
-                <a:latin typeface="CircularStd-Black"/>
-                <a:ea typeface="CircularStd-Black"/>
-                <a:cs typeface="CircularStd-Black"/>
-                <a:sym typeface="CircularStd-Black"/>
-              </a:defRPr>
-            </a:lvl1pPr>
-          </a:lstStyle>
-          <a:p>
-            <a:r>
-              <a:rPr lang="en-US" sz="4300" dirty="0"/>
-              <a:t>Today’s</a:t>
-            </a:r>
-            <a:endParaRPr sz="4300" dirty="0"/>
-          </a:p>
-        </p:txBody>
-      </p:sp>
-      <p:pic>
-        <p:nvPicPr>
-          <p:cNvPr id="3" name="Picture 2">
-            <a:extLst>
-              <a:ext uri="{FF2B5EF4-FFF2-40B4-BE49-F238E27FC236}">
-                <a16:creationId xmlns:a16="http://schemas.microsoft.com/office/drawing/2014/main" id="{EB2A72CF-B8E7-AB40-9623-AF21D4CEB24C}"/>
+                <a16:creationId xmlns:a16="http://schemas.microsoft.com/office/drawing/2014/main" id="{FB7964CF-3DDB-436C-8D06-1D8341F7AB80}"/>
               </a:ext>
             </a:extLst>
           </p:cNvPr>
@@ -5517,14 +5540,15 @@
           <p:nvPr/>
         </p:nvPicPr>
         <p:blipFill>
-          <a:blip r:embed="rId3"/>
-          <a:srcRect/>
-          <a:stretch/>
+          <a:blip r:embed="rId2"/>
+          <a:stretch>
+            <a:fillRect/>
+          </a:stretch>
         </p:blipFill>
         <p:spPr>
           <a:xfrm>
-            <a:off x="8003419" y="2184828"/>
-            <a:ext cx="1729945" cy="2540000"/>
+            <a:off x="4258407" y="0"/>
+            <a:ext cx="3675185" cy="6858000"/>
           </a:xfrm>
           <a:prstGeom prst="rect">
             <a:avLst/>
@@ -5534,14 +5558,13 @@
     </p:spTree>
     <p:extLst>
       <p:ext uri="{BB962C8B-B14F-4D97-AF65-F5344CB8AC3E}">
-        <p14:creationId xmlns:p14="http://schemas.microsoft.com/office/powerpoint/2010/main" val="761698721"/>
+        <p14:creationId xmlns:p14="http://schemas.microsoft.com/office/powerpoint/2010/main" val="2457650624"/>
       </p:ext>
     </p:extLst>
   </p:cSld>
   <p:clrMapOvr>
     <a:masterClrMapping/>
   </p:clrMapOvr>
-  <p:transition spd="med"/>
 </p:sld>
 </file>
 
@@ -5564,183 +5587,115 @@
       </p:grpSpPr>
       <p:sp>
         <p:nvSpPr>
-          <p:cNvPr id="178" name="Today’s objective"/>
-          <p:cNvSpPr txBox="1"/>
-          <p:nvPr/>
-        </p:nvSpPr>
-        <p:spPr>
-          <a:xfrm>
-            <a:off x="2998784" y="197884"/>
-            <a:ext cx="6259727" cy="897682"/>
-          </a:xfrm>
-          <a:prstGeom prst="rect">
-            <a:avLst/>
-          </a:prstGeom>
-          <a:ln w="12700">
-            <a:miter lim="400000"/>
-          </a:ln>
-          <a:extLst>
-            <a:ext uri="{C572A759-6A51-4108-AA02-DFA0A04FC94B}">
-              <ma14:wrappingTextBoxFlag xmlns:ma14="http://schemas.microsoft.com/office/mac/drawingml/2011/main" xmlns:a14="http://schemas.microsoft.com/office/drawing/2010/main" xmlns:m="http://schemas.openxmlformats.org/officeDocument/2006/math" xmlns="" val="1"/>
-            </a:ext>
-          </a:extLst>
-        </p:spPr>
-        <p:txBody>
-          <a:bodyPr wrap="none" lIns="25400" tIns="25400" rIns="25400" bIns="25400" anchor="ctr">
-            <a:spAutoFit/>
-          </a:bodyPr>
-          <a:lstStyle>
-            <a:lvl1pPr>
-              <a:defRPr sz="11000">
-                <a:latin typeface="CircularStd-Black"/>
-                <a:ea typeface="CircularStd-Black"/>
-                <a:cs typeface="CircularStd-Black"/>
-                <a:sym typeface="CircularStd-Black"/>
-              </a:defRPr>
-            </a:lvl1pPr>
-          </a:lstStyle>
-          <a:p>
-            <a:r>
-              <a:rPr sz="5500" dirty="0"/>
-              <a:t>Today’s objective</a:t>
-            </a:r>
-            <a:r>
-              <a:rPr lang="en-US" sz="5500" dirty="0"/>
-              <a:t>s</a:t>
-            </a:r>
-            <a:endParaRPr sz="5500" dirty="0"/>
-          </a:p>
-        </p:txBody>
-      </p:sp>
-      <p:sp>
-        <p:nvSpPr>
-          <p:cNvPr id="179" name="Code and design this page"/>
-          <p:cNvSpPr txBox="1"/>
-          <p:nvPr/>
-        </p:nvSpPr>
-        <p:spPr>
-          <a:xfrm>
-            <a:off x="2280232" y="1180868"/>
-            <a:ext cx="7758534" cy="666849"/>
-          </a:xfrm>
-          <a:prstGeom prst="rect">
-            <a:avLst/>
-          </a:prstGeom>
-          <a:ln w="12700">
-            <a:miter lim="400000"/>
-          </a:ln>
-          <a:extLst>
-            <a:ext uri="{C572A759-6A51-4108-AA02-DFA0A04FC94B}">
-              <ma14:wrappingTextBoxFlag xmlns:ma14="http://schemas.microsoft.com/office/mac/drawingml/2011/main" xmlns:a14="http://schemas.microsoft.com/office/drawing/2010/main" xmlns:m="http://schemas.openxmlformats.org/officeDocument/2006/math" xmlns="" val="1"/>
-            </a:ext>
-          </a:extLst>
-        </p:spPr>
-        <p:txBody>
-          <a:bodyPr wrap="none" lIns="25400" tIns="25400" rIns="25400" bIns="25400" anchor="ctr">
-            <a:spAutoFit/>
-          </a:bodyPr>
-          <a:lstStyle/>
-          <a:p>
-            <a:pPr>
-              <a:defRPr sz="8000">
-                <a:solidFill>
-                  <a:srgbClr val="53585F"/>
-                </a:solidFill>
-                <a:latin typeface="Circular Std"/>
-                <a:ea typeface="Circular Std"/>
-                <a:cs typeface="Circular Std"/>
-                <a:sym typeface="Circular Std"/>
-              </a:defRPr>
-            </a:pPr>
-            <a:r>
-              <a:rPr lang="en-US" sz="4000" dirty="0"/>
-              <a:t>Get comfortable with Python tools</a:t>
-            </a:r>
-            <a:endParaRPr sz="4000" u="sng" dirty="0">
-              <a:hlinkClick r:id="rId2"/>
-            </a:endParaRPr>
-          </a:p>
-        </p:txBody>
-      </p:sp>
-      <p:pic>
-        <p:nvPicPr>
-          <p:cNvPr id="8" name="内容占位符 4">
+          <p:cNvPr id="2" name="标题 1">
             <a:extLst>
               <a:ext uri="{FF2B5EF4-FFF2-40B4-BE49-F238E27FC236}">
-                <a16:creationId xmlns:a16="http://schemas.microsoft.com/office/drawing/2014/main" id="{87EC42DD-90FD-DB48-A64A-0CEE62F116AD}"/>
+                <a16:creationId xmlns:a16="http://schemas.microsoft.com/office/drawing/2014/main" id="{E18B6816-4691-E64D-831E-8A48C0B28416}"/>
               </a:ext>
             </a:extLst>
           </p:cNvPr>
-          <p:cNvPicPr>
-            <a:picLocks noChangeAspect="1"/>
-          </p:cNvPicPr>
-          <p:nvPr/>
-        </p:nvPicPr>
-        <p:blipFill>
-          <a:blip r:embed="rId3"/>
-          <a:stretch>
-            <a:fillRect/>
-          </a:stretch>
-        </p:blipFill>
-        <p:spPr>
-          <a:xfrm>
-            <a:off x="2565400" y="2102869"/>
-            <a:ext cx="6532586" cy="3641916"/>
-          </a:xfrm>
-          <a:prstGeom prst="rect">
-            <a:avLst/>
-          </a:prstGeom>
-        </p:spPr>
-      </p:pic>
-      <p:sp>
-        <p:nvSpPr>
-          <p:cNvPr id="2" name="TextBox 1">
+          <p:cNvSpPr>
+            <a:spLocks noGrp="1"/>
+          </p:cNvSpPr>
+          <p:nvPr>
+            <p:ph type="ctrTitle"/>
+          </p:nvPr>
+        </p:nvSpPr>
+        <p:spPr>
+          <a:xfrm>
+            <a:off x="1122947" y="783822"/>
+            <a:ext cx="9570453" cy="2387600"/>
+          </a:xfrm>
+        </p:spPr>
+        <p:txBody>
+          <a:bodyPr>
+            <a:normAutofit/>
+          </a:bodyPr>
+          <a:lstStyle/>
+          <a:p>
+            <a:r>
+              <a:rPr kumimoji="1" lang="en-US" altLang="zh-CN" sz="7200" b="1" dirty="0">
+                <a:latin typeface="Circular Std Black" panose="020B0604020101020102" pitchFamily="34" charset="77"/>
+                <a:ea typeface="Circular Std" panose="02000503000000020003" pitchFamily="2" charset="0"/>
+                <a:cs typeface="Circular Std Black" panose="020B0604020101020102" pitchFamily="34" charset="77"/>
+              </a:rPr>
+              <a:t>1. Python </a:t>
+            </a:r>
+            <a:br>
+              <a:rPr kumimoji="1" lang="en-US" altLang="zh-CN" sz="7200" b="1" dirty="0">
+                <a:latin typeface="Circular Std Black" panose="020B0604020101020102" pitchFamily="34" charset="77"/>
+                <a:ea typeface="Circular Std" panose="02000503000000020003" pitchFamily="2" charset="0"/>
+                <a:cs typeface="Circular Std Black" panose="020B0604020101020102" pitchFamily="34" charset="77"/>
+              </a:rPr>
+            </a:br>
+            <a:r>
+              <a:rPr kumimoji="1" lang="en-US" altLang="zh-CN" sz="7200" b="1" dirty="0">
+                <a:latin typeface="Circular Std Black" panose="020B0604020101020102" pitchFamily="34" charset="77"/>
+                <a:ea typeface="Circular Std" panose="02000503000000020003" pitchFamily="2" charset="0"/>
+                <a:cs typeface="Circular Std Black" panose="020B0604020101020102" pitchFamily="34" charset="77"/>
+              </a:rPr>
+              <a:t>for Beginners</a:t>
+            </a:r>
+            <a:endParaRPr kumimoji="1" lang="zh-CN" altLang="en-US" sz="7200" b="1" dirty="0">
+              <a:latin typeface="Circular Std Black" panose="020B0604020101020102" pitchFamily="34" charset="77"/>
+              <a:cs typeface="Circular Std Black" panose="020B0604020101020102" pitchFamily="34" charset="77"/>
+            </a:endParaRPr>
+          </a:p>
+        </p:txBody>
+      </p:sp>
+      <p:sp>
+        <p:nvSpPr>
+          <p:cNvPr id="3" name="副标题 2">
             <a:extLst>
               <a:ext uri="{FF2B5EF4-FFF2-40B4-BE49-F238E27FC236}">
-                <a16:creationId xmlns:a16="http://schemas.microsoft.com/office/drawing/2014/main" id="{A3F9F24B-1E4A-44DE-8563-C0CB855F1E79}"/>
+                <a16:creationId xmlns:a16="http://schemas.microsoft.com/office/drawing/2014/main" id="{16D27C0A-E43D-954B-B8A9-F614A9D0B315}"/>
               </a:ext>
             </a:extLst>
           </p:cNvPr>
-          <p:cNvSpPr txBox="1"/>
-          <p:nvPr/>
-        </p:nvSpPr>
-        <p:spPr>
-          <a:xfrm>
-            <a:off x="3569663" y="6054492"/>
-            <a:ext cx="4524059" cy="400110"/>
-          </a:xfrm>
-          <a:prstGeom prst="rect">
-            <a:avLst/>
-          </a:prstGeom>
-          <a:noFill/>
-        </p:spPr>
-        <p:txBody>
-          <a:bodyPr wrap="none" rtlCol="0">
-            <a:spAutoFit/>
-          </a:bodyPr>
-          <a:lstStyle/>
-          <a:p>
-            <a:r>
-              <a:rPr lang="en-US" sz="2000" dirty="0">
-                <a:hlinkClick r:id="rId4"/>
-              </a:rPr>
-              <a:t>https://www.anaconda.com/distribution/</a:t>
-            </a:r>
-            <a:endParaRPr lang="en-GH" sz="2000" dirty="0"/>
+          <p:cNvSpPr>
+            <a:spLocks noGrp="1"/>
+          </p:cNvSpPr>
+          <p:nvPr>
+            <p:ph type="subTitle" idx="1"/>
+          </p:nvPr>
+        </p:nvSpPr>
+        <p:spPr>
+          <a:xfrm>
+            <a:off x="3421646" y="3981156"/>
+            <a:ext cx="4973053" cy="1131849"/>
+          </a:xfrm>
+        </p:spPr>
+        <p:txBody>
+          <a:bodyPr/>
+          <a:lstStyle/>
+          <a:p>
+            <a:r>
+              <a:rPr lang="en-US" dirty="0"/>
+              <a:t>Open in your browser: </a:t>
+            </a:r>
+            <a:br>
+              <a:rPr lang="en-US" dirty="0"/>
+            </a:br>
+            <a:r>
+              <a:rPr lang="en-US" dirty="0"/>
+              <a:t>bit.ly/nugspws</a:t>
+            </a:r>
+          </a:p>
+          <a:p>
+            <a:endParaRPr kumimoji="1" lang="zh-CN" altLang="en-US" dirty="0"/>
           </a:p>
         </p:txBody>
       </p:sp>
     </p:spTree>
     <p:extLst>
       <p:ext uri="{BB962C8B-B14F-4D97-AF65-F5344CB8AC3E}">
-        <p14:creationId xmlns:p14="http://schemas.microsoft.com/office/powerpoint/2010/main" val="1167174065"/>
+        <p14:creationId xmlns:p14="http://schemas.microsoft.com/office/powerpoint/2010/main" val="3551708580"/>
       </p:ext>
     </p:extLst>
   </p:cSld>
   <p:clrMapOvr>
     <a:masterClrMapping/>
   </p:clrMapOvr>
-  <p:transition spd="med"/>
 </p:sld>
 </file>
 
@@ -5763,14 +5718,14 @@
       </p:grpSpPr>
       <p:sp>
         <p:nvSpPr>
-          <p:cNvPr id="178" name="Today’s objective"/>
+          <p:cNvPr id="281" name="Content &amp; Structure"/>
           <p:cNvSpPr txBox="1"/>
           <p:nvPr/>
         </p:nvSpPr>
         <p:spPr>
           <a:xfrm>
-            <a:off x="2998784" y="197884"/>
-            <a:ext cx="6259727" cy="897682"/>
+            <a:off x="1525834" y="2184828"/>
+            <a:ext cx="1837041" cy="713016"/>
           </a:xfrm>
           <a:prstGeom prst="rect">
             <a:avLst/>
@@ -5780,7 +5735,7 @@
           </a:ln>
           <a:extLst>
             <a:ext uri="{C572A759-6A51-4108-AA02-DFA0A04FC94B}">
-              <ma14:wrappingTextBoxFlag xmlns:ma14="http://schemas.microsoft.com/office/mac/drawingml/2011/main" xmlns:a14="http://schemas.microsoft.com/office/drawing/2010/main" xmlns:m="http://schemas.openxmlformats.org/officeDocument/2006/math" xmlns="" val="1"/>
+              <ma14:wrappingTextBoxFlag xmlns="" xmlns:m="http://schemas.openxmlformats.org/officeDocument/2006/math" xmlns:a14="http://schemas.microsoft.com/office/drawing/2010/main" xmlns:ma14="http://schemas.microsoft.com/office/mac/drawingml/2011/main" val="1"/>
             </a:ext>
           </a:extLst>
         </p:spPr>
@@ -5789,8 +5744,8 @@
             <a:spAutoFit/>
           </a:bodyPr>
           <a:lstStyle>
-            <a:lvl1pPr>
-              <a:defRPr sz="11000">
+            <a:lvl1pPr algn="l">
+              <a:defRPr sz="8600">
                 <a:latin typeface="CircularStd-Black"/>
                 <a:ea typeface="CircularStd-Black"/>
                 <a:cs typeface="CircularStd-Black"/>
@@ -5800,27 +5755,23 @@
           </a:lstStyle>
           <a:p>
             <a:r>
-              <a:rPr sz="5500" dirty="0"/>
-              <a:t>Today’s objective</a:t>
-            </a:r>
-            <a:r>
-              <a:rPr lang="en-US" sz="5500" dirty="0"/>
-              <a:t>s</a:t>
-            </a:r>
-            <a:endParaRPr sz="5500" dirty="0"/>
-          </a:p>
-        </p:txBody>
-      </p:sp>
-      <p:sp>
-        <p:nvSpPr>
-          <p:cNvPr id="179" name="Code and design this page"/>
+              <a:rPr lang="en-US" sz="4300" dirty="0"/>
+              <a:t>Michael</a:t>
+            </a:r>
+            <a:endParaRPr sz="4300" dirty="0"/>
+          </a:p>
+        </p:txBody>
+      </p:sp>
+      <p:sp>
+        <p:nvSpPr>
+          <p:cNvPr id="282" name="All the content displayed on the page, and what Google cares about (SEO)."/>
           <p:cNvSpPr txBox="1"/>
           <p:nvPr/>
         </p:nvSpPr>
         <p:spPr>
           <a:xfrm>
-            <a:off x="635000" y="1169918"/>
-            <a:ext cx="11141127" cy="666849"/>
+            <a:off x="1525834" y="3018720"/>
+            <a:ext cx="5325495" cy="2895152"/>
           </a:xfrm>
           <a:prstGeom prst="rect">
             <a:avLst/>
@@ -5830,7 +5781,166 @@
           </a:ln>
           <a:extLst>
             <a:ext uri="{C572A759-6A51-4108-AA02-DFA0A04FC94B}">
-              <ma14:wrappingTextBoxFlag xmlns:ma14="http://schemas.microsoft.com/office/mac/drawingml/2011/main" xmlns:a14="http://schemas.microsoft.com/office/drawing/2010/main" xmlns:m="http://schemas.openxmlformats.org/officeDocument/2006/math" xmlns="" val="1"/>
+              <ma14:wrappingTextBoxFlag xmlns="" xmlns:m="http://schemas.openxmlformats.org/officeDocument/2006/math" xmlns:a14="http://schemas.microsoft.com/office/drawing/2010/main" xmlns:ma14="http://schemas.microsoft.com/office/mac/drawingml/2011/main" val="1"/>
+            </a:ext>
+          </a:extLst>
+        </p:spPr>
+        <p:txBody>
+          <a:bodyPr wrap="square" lIns="25400" tIns="25400" rIns="25400" bIns="25400">
+            <a:spAutoFit/>
+          </a:bodyPr>
+          <a:lstStyle>
+            <a:lvl1pPr algn="l">
+              <a:lnSpc>
+                <a:spcPct val="90000"/>
+              </a:lnSpc>
+              <a:defRPr sz="5600" baseline="35714">
+                <a:solidFill>
+                  <a:srgbClr val="53585F"/>
+                </a:solidFill>
+                <a:latin typeface="SF Pro Text Light"/>
+                <a:ea typeface="SF Pro Text Light"/>
+                <a:cs typeface="SF Pro Text Light"/>
+                <a:sym typeface="SF Pro Text Light"/>
+              </a:defRPr>
+            </a:lvl1pPr>
+          </a:lstStyle>
+          <a:p>
+            <a:endParaRPr lang="en-US" sz="2800" dirty="0"/>
+          </a:p>
+          <a:p>
+            <a:r>
+              <a:rPr lang="en-US" sz="2800" dirty="0"/>
+              <a:t>2019 Data Analytics with Python Trainee</a:t>
+            </a:r>
+          </a:p>
+          <a:p>
+            <a:r>
+              <a:rPr lang="en-US" sz="2800" dirty="0"/>
+              <a:t>Le Wagon, Chengdu</a:t>
+            </a:r>
+            <a:br>
+              <a:rPr lang="en-US" sz="2800" dirty="0"/>
+            </a:br>
+            <a:br>
+              <a:rPr lang="en-US" sz="2800" dirty="0"/>
+            </a:br>
+            <a:r>
+              <a:rPr lang="en-US" sz="2800" dirty="0"/>
+              <a:t>M.Eng. Computer Science &amp; Technology</a:t>
+            </a:r>
+          </a:p>
+          <a:p>
+            <a:r>
+              <a:rPr lang="en-US" sz="2800" dirty="0"/>
+              <a:t>University of Electronic Science &amp; Technology of China, Chengdu</a:t>
+            </a:r>
+            <a:br>
+              <a:rPr lang="en-US" sz="2800" dirty="0"/>
+            </a:br>
+            <a:endParaRPr lang="en-US" sz="2800" dirty="0"/>
+          </a:p>
+          <a:p>
+            <a:r>
+              <a:rPr lang="en-US" sz="2800" dirty="0"/>
+              <a:t>B.Sc. Computer Science</a:t>
+            </a:r>
+          </a:p>
+          <a:p>
+            <a:r>
+              <a:rPr lang="en-US" sz="2800" dirty="0"/>
+              <a:t>University of Cape Coast, Cape Coast</a:t>
+            </a:r>
+          </a:p>
+          <a:p>
+            <a:endParaRPr sz="2800" dirty="0"/>
+          </a:p>
+        </p:txBody>
+      </p:sp>
+      <p:sp>
+        <p:nvSpPr>
+          <p:cNvPr id="9" name="HTML.">
+            <a:extLst>
+              <a:ext uri="{FF2B5EF4-FFF2-40B4-BE49-F238E27FC236}">
+                <a16:creationId xmlns:a16="http://schemas.microsoft.com/office/drawing/2014/main" id="{C9A5A3EE-488D-EF41-B69D-2764B8C6381F}"/>
+              </a:ext>
+            </a:extLst>
+          </p:cNvPr>
+          <p:cNvSpPr txBox="1"/>
+          <p:nvPr/>
+        </p:nvSpPr>
+        <p:spPr>
+          <a:xfrm>
+            <a:off x="5070855" y="691751"/>
+            <a:ext cx="2755599" cy="713016"/>
+          </a:xfrm>
+          <a:prstGeom prst="rect">
+            <a:avLst/>
+          </a:prstGeom>
+          <a:solidFill>
+            <a:srgbClr val="FBF1F1"/>
+          </a:solidFill>
+          <a:ln w="12700">
+            <a:miter lim="400000"/>
+          </a:ln>
+          <a:extLst>
+            <a:ext uri="{C572A759-6A51-4108-AA02-DFA0A04FC94B}">
+              <ma14:wrappingTextBoxFlag xmlns="" xmlns:m="http://schemas.openxmlformats.org/officeDocument/2006/math" xmlns:a14="http://schemas.microsoft.com/office/drawing/2010/main" xmlns:ma14="http://schemas.microsoft.com/office/mac/drawingml/2011/main" val="1"/>
+            </a:ext>
+          </a:extLst>
+        </p:spPr>
+        <p:txBody>
+          <a:bodyPr wrap="square" lIns="25400" tIns="25400" rIns="25400" bIns="25400" anchor="ctr">
+            <a:spAutoFit/>
+          </a:bodyPr>
+          <a:lstStyle>
+            <a:lvl1pPr>
+              <a:defRPr sz="8600">
+                <a:solidFill>
+                  <a:srgbClr val="FD1015"/>
+                </a:solidFill>
+                <a:latin typeface="CircularStd-Black"/>
+                <a:ea typeface="CircularStd-Black"/>
+                <a:cs typeface="CircularStd-Black"/>
+                <a:sym typeface="CircularStd-Black"/>
+              </a:defRPr>
+            </a:lvl1pPr>
+          </a:lstStyle>
+          <a:p>
+            <a:r>
+              <a:rPr lang="en-US" sz="4300" dirty="0"/>
+              <a:t>Instructor</a:t>
+            </a:r>
+            <a:endParaRPr sz="4300" dirty="0"/>
+          </a:p>
+        </p:txBody>
+      </p:sp>
+      <p:sp>
+        <p:nvSpPr>
+          <p:cNvPr id="10" name="Content &amp; Structure">
+            <a:extLst>
+              <a:ext uri="{FF2B5EF4-FFF2-40B4-BE49-F238E27FC236}">
+                <a16:creationId xmlns:a16="http://schemas.microsoft.com/office/drawing/2014/main" id="{B751FC6C-449C-C048-AE7A-96C21ADB09D2}"/>
+              </a:ext>
+            </a:extLst>
+          </p:cNvPr>
+          <p:cNvSpPr txBox="1"/>
+          <p:nvPr/>
+        </p:nvSpPr>
+        <p:spPr>
+          <a:xfrm>
+            <a:off x="3183835" y="685402"/>
+            <a:ext cx="1693477" cy="713016"/>
+          </a:xfrm>
+          <a:prstGeom prst="rect">
+            <a:avLst/>
+          </a:prstGeom>
+          <a:ln w="12700">
+            <a:miter lim="400000"/>
+          </a:ln>
+          <a:extLst>
+            <a:ext uri="{C572A759-6A51-4108-AA02-DFA0A04FC94B}">
+              <ma14:wrappingTextBoxFlag xmlns="" xmlns:m="http://schemas.openxmlformats.org/officeDocument/2006/math" xmlns:a14="http://schemas.microsoft.com/office/drawing/2010/main" xmlns:ma14="http://schemas.microsoft.com/office/mac/drawingml/2011/main" val="1"/>
             </a:ext>
           </a:extLst>
         </p:spPr>
@@ -5838,35 +5948,64 @@
           <a:bodyPr wrap="none" lIns="25400" tIns="25400" rIns="25400" bIns="25400" anchor="ctr">
             <a:spAutoFit/>
           </a:bodyPr>
-          <a:lstStyle/>
-          <a:p>
-            <a:pPr>
-              <a:defRPr sz="8000">
-                <a:solidFill>
-                  <a:srgbClr val="53585F"/>
-                </a:solidFill>
-                <a:latin typeface="Circular Std"/>
-                <a:ea typeface="Circular Std"/>
-                <a:cs typeface="Circular Std"/>
-                <a:sym typeface="Circular Std"/>
+          <a:lstStyle>
+            <a:lvl1pPr algn="l">
+              <a:defRPr sz="8600">
+                <a:latin typeface="CircularStd-Black"/>
+                <a:ea typeface="CircularStd-Black"/>
+                <a:cs typeface="CircularStd-Black"/>
+                <a:sym typeface="CircularStd-Black"/>
               </a:defRPr>
-            </a:pPr>
-            <a:r>
-              <a:rPr lang="en-US" sz="4000" dirty="0"/>
-              <a:t>Learn and practice the basics of Python programming</a:t>
-            </a:r>
-            <a:endParaRPr sz="4000" u="sng" dirty="0">
-              <a:hlinkClick r:id="rId2"/>
-            </a:endParaRPr>
+            </a:lvl1pPr>
+          </a:lstStyle>
+          <a:p>
+            <a:r>
+              <a:rPr lang="en-US" sz="4300" dirty="0"/>
+              <a:t>Today’s</a:t>
+            </a:r>
+            <a:endParaRPr sz="4300" dirty="0"/>
           </a:p>
         </p:txBody>
       </p:sp>
       <p:pic>
         <p:nvPicPr>
-          <p:cNvPr id="8" name="内容占位符 4">
+          <p:cNvPr id="4" name="Picture 3">
             <a:extLst>
               <a:ext uri="{FF2B5EF4-FFF2-40B4-BE49-F238E27FC236}">
-                <a16:creationId xmlns:a16="http://schemas.microsoft.com/office/drawing/2014/main" id="{87EC42DD-90FD-DB48-A64A-0CEE62F116AD}"/>
+                <a16:creationId xmlns:a16="http://schemas.microsoft.com/office/drawing/2014/main" id="{C3F5E713-4E14-4ABD-8937-3C877A57F66E}"/>
+              </a:ext>
+            </a:extLst>
+          </p:cNvPr>
+          <p:cNvPicPr>
+            <a:picLocks noChangeAspect="1"/>
+          </p:cNvPicPr>
+          <p:nvPr/>
+        </p:nvPicPr>
+        <p:blipFill>
+          <a:blip r:embed="rId2"/>
+          <a:stretch>
+            <a:fillRect/>
+          </a:stretch>
+        </p:blipFill>
+        <p:spPr>
+          <a:xfrm>
+            <a:off x="8283483" y="0"/>
+            <a:ext cx="3908517" cy="6858000"/>
+          </a:xfrm>
+          <a:prstGeom prst="rect">
+            <a:avLst/>
+          </a:prstGeom>
+          <a:effectLst>
+            <a:softEdge rad="88900"/>
+          </a:effectLst>
+        </p:spPr>
+      </p:pic>
+      <p:pic>
+        <p:nvPicPr>
+          <p:cNvPr id="6" name="Picture 5" descr="Qr code&#10;&#10;Description automatically generated">
+            <a:extLst>
+              <a:ext uri="{FF2B5EF4-FFF2-40B4-BE49-F238E27FC236}">
+                <a16:creationId xmlns:a16="http://schemas.microsoft.com/office/drawing/2014/main" id="{BFFDB7AB-8825-4FB7-A6A1-03432C0676F6}"/>
               </a:ext>
             </a:extLst>
           </p:cNvPr>
@@ -5883,38 +6022,8 @@
         </p:blipFill>
         <p:spPr>
           <a:xfrm>
-            <a:off x="1989319" y="2073465"/>
-            <a:ext cx="6532586" cy="3641916"/>
-          </a:xfrm>
-          <a:prstGeom prst="rect">
-            <a:avLst/>
-          </a:prstGeom>
-        </p:spPr>
-      </p:pic>
-      <p:pic>
-        <p:nvPicPr>
-          <p:cNvPr id="7" name="内容占位符 4">
-            <a:extLst>
-              <a:ext uri="{FF2B5EF4-FFF2-40B4-BE49-F238E27FC236}">
-                <a16:creationId xmlns:a16="http://schemas.microsoft.com/office/drawing/2014/main" id="{818CC6B8-28BE-114E-A04C-927AE4B02EF5}"/>
-              </a:ext>
-            </a:extLst>
-          </p:cNvPr>
-          <p:cNvPicPr>
-            <a:picLocks noChangeAspect="1"/>
-          </p:cNvPicPr>
-          <p:nvPr/>
-        </p:nvPicPr>
-        <p:blipFill>
-          <a:blip r:embed="rId4"/>
-          <a:stretch>
-            <a:fillRect/>
-          </a:stretch>
-        </p:blipFill>
-        <p:spPr>
-          <a:xfrm>
-            <a:off x="4383954" y="2841683"/>
-            <a:ext cx="6259727" cy="3818433"/>
+            <a:off x="1525834" y="5806439"/>
+            <a:ext cx="716915" cy="716915"/>
           </a:xfrm>
           <a:prstGeom prst="rect">
             <a:avLst/>
@@ -5924,7 +6033,7 @@
     </p:spTree>
     <p:extLst>
       <p:ext uri="{BB962C8B-B14F-4D97-AF65-F5344CB8AC3E}">
-        <p14:creationId xmlns:p14="http://schemas.microsoft.com/office/powerpoint/2010/main" val="3279678090"/>
+        <p14:creationId xmlns:p14="http://schemas.microsoft.com/office/powerpoint/2010/main" val="761698721"/>
       </p:ext>
     </p:extLst>
   </p:cSld>
@@ -5954,14 +6063,14 @@
       </p:grpSpPr>
       <p:sp>
         <p:nvSpPr>
-          <p:cNvPr id="200" name="Outline."/>
+          <p:cNvPr id="178" name="Today’s objective"/>
           <p:cNvSpPr txBox="1"/>
           <p:nvPr/>
         </p:nvSpPr>
         <p:spPr>
           <a:xfrm>
-            <a:off x="635000" y="775494"/>
-            <a:ext cx="2513509" cy="820738"/>
+            <a:off x="2998784" y="197884"/>
+            <a:ext cx="6259727" cy="897682"/>
           </a:xfrm>
           <a:prstGeom prst="rect">
             <a:avLst/>
@@ -5971,7 +6080,7 @@
           </a:ln>
           <a:extLst>
             <a:ext uri="{C572A759-6A51-4108-AA02-DFA0A04FC94B}">
-              <ma14:wrappingTextBoxFlag xmlns:ma14="http://schemas.microsoft.com/office/mac/drawingml/2011/main" xmlns:a14="http://schemas.microsoft.com/office/drawing/2010/main" xmlns:m="http://schemas.openxmlformats.org/officeDocument/2006/math" xmlns="" val="1"/>
+              <ma14:wrappingTextBoxFlag xmlns="" xmlns:m="http://schemas.openxmlformats.org/officeDocument/2006/math" xmlns:a14="http://schemas.microsoft.com/office/drawing/2010/main" xmlns:ma14="http://schemas.microsoft.com/office/mac/drawingml/2011/main" val="1"/>
             </a:ext>
           </a:extLst>
         </p:spPr>
@@ -5980,11 +6089,8 @@
             <a:spAutoFit/>
           </a:bodyPr>
           <a:lstStyle>
-            <a:lvl1pPr algn="l">
-              <a:defRPr sz="10000">
-                <a:solidFill>
-                  <a:srgbClr val="0E0000"/>
-                </a:solidFill>
+            <a:lvl1pPr>
+              <a:defRPr sz="11000">
                 <a:latin typeface="CircularStd-Black"/>
                 <a:ea typeface="CircularStd-Black"/>
                 <a:cs typeface="CircularStd-Black"/>
@@ -5994,22 +6100,27 @@
           </a:lstStyle>
           <a:p>
             <a:r>
-              <a:rPr sz="5000" dirty="0"/>
-              <a:t>Outline.</a:t>
-            </a:r>
-          </a:p>
-        </p:txBody>
-      </p:sp>
-      <p:sp>
-        <p:nvSpPr>
-          <p:cNvPr id="201" name="How the web works…"/>
+              <a:rPr sz="5500" dirty="0"/>
+              <a:t>Today’s objective</a:t>
+            </a:r>
+            <a:r>
+              <a:rPr lang="en-US" sz="5500" dirty="0"/>
+              <a:t>s</a:t>
+            </a:r>
+            <a:endParaRPr sz="5500" dirty="0"/>
+          </a:p>
+        </p:txBody>
+      </p:sp>
+      <p:sp>
+        <p:nvSpPr>
+          <p:cNvPr id="179" name="Code and design this page"/>
           <p:cNvSpPr txBox="1"/>
           <p:nvPr/>
         </p:nvSpPr>
         <p:spPr>
           <a:xfrm>
-            <a:off x="635000" y="1757363"/>
-            <a:ext cx="5765800" cy="2513509"/>
+            <a:off x="2280232" y="1180868"/>
+            <a:ext cx="7758534" cy="666849"/>
           </a:xfrm>
           <a:prstGeom prst="rect">
             <a:avLst/>
@@ -6019,92 +6130,109 @@
           </a:ln>
           <a:extLst>
             <a:ext uri="{C572A759-6A51-4108-AA02-DFA0A04FC94B}">
-              <ma14:wrappingTextBoxFlag xmlns:ma14="http://schemas.microsoft.com/office/mac/drawingml/2011/main" xmlns:a14="http://schemas.microsoft.com/office/drawing/2010/main" xmlns:m="http://schemas.openxmlformats.org/officeDocument/2006/math" xmlns="" val="1"/>
+              <ma14:wrappingTextBoxFlag xmlns="" xmlns:m="http://schemas.openxmlformats.org/officeDocument/2006/math" xmlns:a14="http://schemas.microsoft.com/office/drawing/2010/main" xmlns:ma14="http://schemas.microsoft.com/office/mac/drawingml/2011/main" val="1"/>
             </a:ext>
           </a:extLst>
         </p:spPr>
         <p:txBody>
-          <a:bodyPr wrap="square" lIns="25400" tIns="25400" rIns="25400" bIns="25400">
+          <a:bodyPr wrap="none" lIns="25400" tIns="25400" rIns="25400" bIns="25400" anchor="ctr">
             <a:spAutoFit/>
           </a:bodyPr>
           <a:lstStyle/>
           <a:p>
-            <a:r>
-              <a:rPr kumimoji="1" lang="en-US" altLang="zh-CN" sz="3200" dirty="0">
-                <a:latin typeface="SF Pro Display" pitchFamily="2" charset="0"/>
-                <a:ea typeface="SF Pro Display" pitchFamily="2" charset="0"/>
-                <a:cs typeface="Circular Std Book" panose="020B0604020101020102" pitchFamily="34" charset="77"/>
-              </a:rPr>
-              <a:t>Python introduction (15 mins)</a:t>
-            </a:r>
-          </a:p>
-          <a:p>
-            <a:endParaRPr kumimoji="1" lang="en-US" altLang="zh-CN" sz="3200" dirty="0">
-              <a:latin typeface="SF Pro Display" pitchFamily="2" charset="0"/>
-              <a:ea typeface="SF Pro Display" pitchFamily="2" charset="0"/>
-              <a:cs typeface="Circular Std Book" panose="020B0604020101020102" pitchFamily="34" charset="77"/>
+            <a:pPr>
+              <a:defRPr sz="8000">
+                <a:solidFill>
+                  <a:srgbClr val="53585F"/>
+                </a:solidFill>
+                <a:latin typeface="Circular Std"/>
+                <a:ea typeface="Circular Std"/>
+                <a:cs typeface="Circular Std"/>
+                <a:sym typeface="Circular Std"/>
+              </a:defRPr>
+            </a:pPr>
+            <a:r>
+              <a:rPr lang="en-US" sz="4000" dirty="0"/>
+              <a:t>Get comfortable with Python tools</a:t>
+            </a:r>
+            <a:endParaRPr sz="4000" u="sng" dirty="0">
+              <a:hlinkClick r:id="rId2"/>
             </a:endParaRPr>
-          </a:p>
-          <a:p>
-            <a:r>
-              <a:rPr kumimoji="1" lang="en-US" altLang="zh-CN" sz="3200" dirty="0">
-                <a:latin typeface="SF Pro Display" pitchFamily="2" charset="0"/>
-                <a:ea typeface="SF Pro Display" pitchFamily="2" charset="0"/>
-                <a:cs typeface="Circular Std Book" panose="020B0604020101020102" pitchFamily="34" charset="77"/>
-              </a:rPr>
-              <a:t>Basics of Python (45 mins)</a:t>
-            </a:r>
-          </a:p>
-          <a:p>
-            <a:endParaRPr kumimoji="1" lang="en-US" altLang="zh-CN" sz="3200" dirty="0">
-              <a:latin typeface="SF Pro Display" pitchFamily="2" charset="0"/>
-              <a:ea typeface="SF Pro Display" pitchFamily="2" charset="0"/>
-              <a:cs typeface="Circular Std Book" panose="020B0604020101020102" pitchFamily="34" charset="77"/>
-            </a:endParaRPr>
-          </a:p>
-          <a:p>
-            <a:r>
-              <a:rPr kumimoji="1" lang="en-US" altLang="zh-CN" sz="3200" dirty="0">
-                <a:latin typeface="SF Pro Display" pitchFamily="2" charset="0"/>
-                <a:ea typeface="SF Pro Display" pitchFamily="2" charset="0"/>
-                <a:cs typeface="Circular Std Book" panose="020B0604020101020102" pitchFamily="34" charset="77"/>
-              </a:rPr>
-              <a:t>Exercise (45 mins)</a:t>
-            </a:r>
           </a:p>
         </p:txBody>
       </p:sp>
       <p:pic>
         <p:nvPicPr>
-          <p:cNvPr id="202" name="Image" descr="Image"/>
+          <p:cNvPr id="8" name="内容占位符 4">
+            <a:extLst>
+              <a:ext uri="{FF2B5EF4-FFF2-40B4-BE49-F238E27FC236}">
+                <a16:creationId xmlns:a16="http://schemas.microsoft.com/office/drawing/2014/main" id="{87EC42DD-90FD-DB48-A64A-0CEE62F116AD}"/>
+              </a:ext>
+            </a:extLst>
+          </p:cNvPr>
           <p:cNvPicPr>
             <a:picLocks noChangeAspect="1"/>
           </p:cNvPicPr>
           <p:nvPr/>
         </p:nvPicPr>
         <p:blipFill>
-          <a:blip r:embed="rId2"/>
+          <a:blip r:embed="rId3"/>
           <a:stretch>
             <a:fillRect/>
           </a:stretch>
         </p:blipFill>
         <p:spPr>
           <a:xfrm>
-            <a:off x="7117975" y="-595908"/>
-            <a:ext cx="5100755" cy="7651131"/>
+            <a:off x="2565400" y="2102869"/>
+            <a:ext cx="6532586" cy="3641916"/>
           </a:xfrm>
           <a:prstGeom prst="rect">
             <a:avLst/>
           </a:prstGeom>
-          <a:ln w="12700">
-            <a:miter lim="400000"/>
-          </a:ln>
         </p:spPr>
       </p:pic>
+      <p:sp>
+        <p:nvSpPr>
+          <p:cNvPr id="2" name="TextBox 1">
+            <a:extLst>
+              <a:ext uri="{FF2B5EF4-FFF2-40B4-BE49-F238E27FC236}">
+                <a16:creationId xmlns:a16="http://schemas.microsoft.com/office/drawing/2014/main" id="{A3F9F24B-1E4A-44DE-8563-C0CB855F1E79}"/>
+              </a:ext>
+            </a:extLst>
+          </p:cNvPr>
+          <p:cNvSpPr txBox="1"/>
+          <p:nvPr/>
+        </p:nvSpPr>
+        <p:spPr>
+          <a:xfrm>
+            <a:off x="3569663" y="6054492"/>
+            <a:ext cx="4524059" cy="400110"/>
+          </a:xfrm>
+          <a:prstGeom prst="rect">
+            <a:avLst/>
+          </a:prstGeom>
+          <a:noFill/>
+        </p:spPr>
+        <p:txBody>
+          <a:bodyPr wrap="none" rtlCol="0">
+            <a:spAutoFit/>
+          </a:bodyPr>
+          <a:lstStyle/>
+          <a:p>
+            <a:r>
+              <a:rPr lang="en-US" sz="2000" dirty="0">
+                <a:hlinkClick r:id="rId4"/>
+              </a:rPr>
+              <a:t>https://www.anaconda.com/distribution/</a:t>
+            </a:r>
+            <a:endParaRPr lang="en-GH" sz="2000" dirty="0"/>
+          </a:p>
+        </p:txBody>
+      </p:sp>
     </p:spTree>
     <p:extLst>
       <p:ext uri="{BB962C8B-B14F-4D97-AF65-F5344CB8AC3E}">
-        <p14:creationId xmlns:p14="http://schemas.microsoft.com/office/powerpoint/2010/main" val="1481277831"/>
+        <p14:creationId xmlns:p14="http://schemas.microsoft.com/office/powerpoint/2010/main" val="1167174065"/>
       </p:ext>
     </p:extLst>
   </p:cSld>
@@ -6134,14 +6262,14 @@
       </p:grpSpPr>
       <p:sp>
         <p:nvSpPr>
-          <p:cNvPr id="196" name="Download your coding tool"/>
+          <p:cNvPr id="178" name="Today’s objective"/>
           <p:cNvSpPr txBox="1"/>
           <p:nvPr/>
         </p:nvSpPr>
         <p:spPr>
           <a:xfrm>
-            <a:off x="3171095" y="257228"/>
-            <a:ext cx="5599290" cy="897682"/>
+            <a:off x="2998784" y="197884"/>
+            <a:ext cx="6259727" cy="897682"/>
           </a:xfrm>
           <a:prstGeom prst="rect">
             <a:avLst/>
@@ -6151,7 +6279,7 @@
           </a:ln>
           <a:extLst>
             <a:ext uri="{C572A759-6A51-4108-AA02-DFA0A04FC94B}">
-              <ma14:wrappingTextBoxFlag xmlns:ma14="http://schemas.microsoft.com/office/mac/drawingml/2011/main" xmlns:a14="http://schemas.microsoft.com/office/drawing/2010/main" xmlns:m="http://schemas.openxmlformats.org/officeDocument/2006/math" xmlns="" val="1"/>
+              <ma14:wrappingTextBoxFlag xmlns="" xmlns:m="http://schemas.openxmlformats.org/officeDocument/2006/math" xmlns:a14="http://schemas.microsoft.com/office/drawing/2010/main" xmlns:ma14="http://schemas.microsoft.com/office/mac/drawingml/2011/main" val="1"/>
             </a:ext>
           </a:extLst>
         </p:spPr>
@@ -6171,26 +6299,27 @@
           </a:lstStyle>
           <a:p>
             <a:r>
+              <a:rPr sz="5500" dirty="0"/>
+              <a:t>Today’s objective</a:t>
+            </a:r>
+            <a:r>
               <a:rPr lang="en-US" sz="5500" dirty="0"/>
-              <a:t>Your </a:t>
-            </a:r>
-            <a:r>
-              <a:rPr sz="5500" dirty="0"/>
-              <a:t>coding tool</a:t>
-            </a:r>
-          </a:p>
-        </p:txBody>
-      </p:sp>
-      <p:sp>
-        <p:nvSpPr>
-          <p:cNvPr id="197" name="Sublime text"/>
+              <a:t>s</a:t>
+            </a:r>
+            <a:endParaRPr sz="5500" dirty="0"/>
+          </a:p>
+        </p:txBody>
+      </p:sp>
+      <p:sp>
+        <p:nvSpPr>
+          <p:cNvPr id="179" name="Code and design this page"/>
           <p:cNvSpPr txBox="1"/>
           <p:nvPr/>
         </p:nvSpPr>
         <p:spPr>
           <a:xfrm>
-            <a:off x="3978017" y="1344274"/>
-            <a:ext cx="3768852" cy="666849"/>
+            <a:off x="635000" y="1169918"/>
+            <a:ext cx="11141127" cy="666849"/>
           </a:xfrm>
           <a:prstGeom prst="rect">
             <a:avLst/>
@@ -6200,7 +6329,7 @@
           </a:ln>
           <a:extLst>
             <a:ext uri="{C572A759-6A51-4108-AA02-DFA0A04FC94B}">
-              <ma14:wrappingTextBoxFlag xmlns:ma14="http://schemas.microsoft.com/office/mac/drawingml/2011/main" xmlns:a14="http://schemas.microsoft.com/office/drawing/2010/main" xmlns:m="http://schemas.openxmlformats.org/officeDocument/2006/math" xmlns="" val="1"/>
+              <ma14:wrappingTextBoxFlag xmlns="" xmlns:m="http://schemas.openxmlformats.org/officeDocument/2006/math" xmlns:a14="http://schemas.microsoft.com/office/drawing/2010/main" xmlns:ma14="http://schemas.microsoft.com/office/mac/drawingml/2011/main" val="1"/>
             </a:ext>
           </a:extLst>
         </p:spPr>
@@ -6208,8 +6337,9 @@
           <a:bodyPr wrap="none" lIns="25400" tIns="25400" rIns="25400" bIns="25400" anchor="ctr">
             <a:spAutoFit/>
           </a:bodyPr>
-          <a:lstStyle>
-            <a:lvl1pPr>
+          <a:lstStyle/>
+          <a:p>
+            <a:pPr>
               <a:defRPr sz="8000">
                 <a:solidFill>
                   <a:srgbClr val="53585F"/>
@@ -6219,27 +6349,23 @@
                 <a:cs typeface="Circular Std"/>
                 <a:sym typeface="Circular Std"/>
               </a:defRPr>
-            </a:lvl1pPr>
-          </a:lstStyle>
-          <a:p>
-            <a:r>
-              <a:rPr lang="en-US" sz="4000" dirty="0" err="1"/>
-              <a:t>Jupyter</a:t>
-            </a:r>
+            </a:pPr>
             <a:r>
               <a:rPr lang="en-US" sz="4000" dirty="0"/>
-              <a:t> Notebook</a:t>
-            </a:r>
-            <a:endParaRPr sz="4000" dirty="0"/>
+              <a:t>Learn and practice the basics of Python programming</a:t>
+            </a:r>
+            <a:endParaRPr sz="4000" u="sng" dirty="0">
+              <a:hlinkClick r:id="rId2"/>
+            </a:endParaRPr>
           </a:p>
         </p:txBody>
       </p:sp>
       <p:pic>
         <p:nvPicPr>
-          <p:cNvPr id="2" name="Picture 1">
+          <p:cNvPr id="8" name="内容占位符 4">
             <a:extLst>
               <a:ext uri="{FF2B5EF4-FFF2-40B4-BE49-F238E27FC236}">
-                <a16:creationId xmlns:a16="http://schemas.microsoft.com/office/drawing/2014/main" id="{321CAFFC-CE16-4FB9-85F9-21C7DFCC38F3}"/>
+                <a16:creationId xmlns:a16="http://schemas.microsoft.com/office/drawing/2014/main" id="{87EC42DD-90FD-DB48-A64A-0CEE62F116AD}"/>
               </a:ext>
             </a:extLst>
           </p:cNvPr>
@@ -6248,15 +6374,46 @@
           </p:cNvPicPr>
           <p:nvPr/>
         </p:nvPicPr>
-        <p:blipFill rotWithShape="1">
+        <p:blipFill>
           <a:blip r:embed="rId3"/>
-          <a:srcRect b="6485"/>
-          <a:stretch/>
+          <a:stretch>
+            <a:fillRect/>
+          </a:stretch>
         </p:blipFill>
         <p:spPr>
           <a:xfrm>
-            <a:off x="2084240" y="2200487"/>
-            <a:ext cx="7773000" cy="4088811"/>
+            <a:off x="1989319" y="2073465"/>
+            <a:ext cx="6532586" cy="3641916"/>
+          </a:xfrm>
+          <a:prstGeom prst="rect">
+            <a:avLst/>
+          </a:prstGeom>
+        </p:spPr>
+      </p:pic>
+      <p:pic>
+        <p:nvPicPr>
+          <p:cNvPr id="7" name="内容占位符 4">
+            <a:extLst>
+              <a:ext uri="{FF2B5EF4-FFF2-40B4-BE49-F238E27FC236}">
+                <a16:creationId xmlns:a16="http://schemas.microsoft.com/office/drawing/2014/main" id="{818CC6B8-28BE-114E-A04C-927AE4B02EF5}"/>
+              </a:ext>
+            </a:extLst>
+          </p:cNvPr>
+          <p:cNvPicPr>
+            <a:picLocks noChangeAspect="1"/>
+          </p:cNvPicPr>
+          <p:nvPr/>
+        </p:nvPicPr>
+        <p:blipFill>
+          <a:blip r:embed="rId4"/>
+          <a:stretch>
+            <a:fillRect/>
+          </a:stretch>
+        </p:blipFill>
+        <p:spPr>
+          <a:xfrm>
+            <a:off x="4383954" y="2841683"/>
+            <a:ext cx="6259727" cy="3818433"/>
           </a:xfrm>
           <a:prstGeom prst="rect">
             <a:avLst/>
@@ -6266,7 +6423,7 @@
     </p:spTree>
     <p:extLst>
       <p:ext uri="{BB962C8B-B14F-4D97-AF65-F5344CB8AC3E}">
-        <p14:creationId xmlns:p14="http://schemas.microsoft.com/office/powerpoint/2010/main" val="1990533440"/>
+        <p14:creationId xmlns:p14="http://schemas.microsoft.com/office/powerpoint/2010/main" val="3279678090"/>
       </p:ext>
     </p:extLst>
   </p:cSld>
@@ -6296,177 +6453,164 @@
       </p:grpSpPr>
       <p:sp>
         <p:nvSpPr>
-          <p:cNvPr id="16386" name="Title 1">
-            <a:extLst>
-              <a:ext uri="{FF2B5EF4-FFF2-40B4-BE49-F238E27FC236}">
-                <a16:creationId xmlns:a16="http://schemas.microsoft.com/office/drawing/2014/main" id="{675B73F2-E538-434F-B2B4-DA2285B7D4F5}"/>
-              </a:ext>
-            </a:extLst>
-          </p:cNvPr>
-          <p:cNvSpPr>
-            <a:spLocks noGrp="1"/>
-          </p:cNvSpPr>
-          <p:nvPr>
-            <p:ph type="title"/>
-          </p:nvPr>
-        </p:nvSpPr>
-        <p:spPr>
-          <a:xfrm>
-            <a:off x="838200" y="132043"/>
-            <a:ext cx="10515600" cy="1325563"/>
-          </a:xfrm>
-        </p:spPr>
-        <p:txBody>
-          <a:bodyPr/>
-          <a:lstStyle/>
-          <a:p>
-            <a:r>
-              <a:rPr lang="en-US" altLang="zh-CN" dirty="0"/>
-              <a:t>Introduction to Python</a:t>
-            </a:r>
-          </a:p>
-        </p:txBody>
-      </p:sp>
-      <p:sp>
-        <p:nvSpPr>
-          <p:cNvPr id="16387" name="Content Placeholder 2">
-            <a:extLst>
-              <a:ext uri="{FF2B5EF4-FFF2-40B4-BE49-F238E27FC236}">
-                <a16:creationId xmlns:a16="http://schemas.microsoft.com/office/drawing/2014/main" id="{BDF1CDB7-F3AD-D14F-82AA-17002EEEE9E1}"/>
-              </a:ext>
-            </a:extLst>
-          </p:cNvPr>
-          <p:cNvSpPr>
-            <a:spLocks noGrp="1"/>
-          </p:cNvSpPr>
-          <p:nvPr>
-            <p:ph idx="1"/>
-          </p:nvPr>
-        </p:nvSpPr>
-        <p:spPr>
-          <a:xfrm>
-            <a:off x="838200" y="1253331"/>
-            <a:ext cx="7831238" cy="4351338"/>
-          </a:xfrm>
-        </p:spPr>
-        <p:txBody>
-          <a:bodyPr>
-            <a:normAutofit/>
-          </a:bodyPr>
-          <a:lstStyle/>
-          <a:p>
-            <a:r>
-              <a:rPr lang="en-US" altLang="zh-CN" dirty="0"/>
-              <a:t>Python is a high-level programming language</a:t>
-            </a:r>
-          </a:p>
-          <a:p>
-            <a:pPr lvl="1"/>
-            <a:r>
-              <a:rPr lang="en-US" altLang="zh-CN" dirty="0"/>
-              <a:t>What does this mean? </a:t>
-            </a:r>
-          </a:p>
-          <a:p>
-            <a:r>
-              <a:rPr kumimoji="1" lang="en-US" altLang="zh-CN" dirty="0"/>
-              <a:t>It’s multi-purpose(Web, Data Science, Scripting)</a:t>
-            </a:r>
-            <a:endParaRPr lang="en-US" altLang="zh-CN" dirty="0"/>
-          </a:p>
-          <a:p>
-            <a:r>
-              <a:rPr lang="en-US" altLang="zh-CN" dirty="0"/>
-              <a:t>Open-source and community-driven, meaning…</a:t>
-            </a:r>
-          </a:p>
-          <a:p>
-            <a:r>
-              <a:rPr lang="en-US" altLang="zh-CN" dirty="0"/>
-              <a:t>Large standard library</a:t>
-            </a:r>
-          </a:p>
-          <a:p>
-            <a:r>
-              <a:rPr lang="en-US" altLang="zh-CN" dirty="0"/>
-              <a:t>Multi-platform</a:t>
-            </a:r>
-          </a:p>
-          <a:p>
-            <a:r>
-              <a:rPr lang="en-US" altLang="zh-CN" dirty="0"/>
-              <a:t>Interpreted</a:t>
-            </a:r>
-          </a:p>
-          <a:p>
-            <a:r>
-              <a:rPr lang="en-US" altLang="zh-CN" dirty="0"/>
-              <a:t>Garbage Collected</a:t>
-            </a:r>
-          </a:p>
-        </p:txBody>
-      </p:sp>
-      <p:sp>
-        <p:nvSpPr>
-          <p:cNvPr id="4" name="Rectangle 3">
-            <a:extLst>
-              <a:ext uri="{FF2B5EF4-FFF2-40B4-BE49-F238E27FC236}">
-                <a16:creationId xmlns:a16="http://schemas.microsoft.com/office/drawing/2014/main" id="{6E8033D3-2AEC-8946-BC19-A67718ECE8F8}"/>
-              </a:ext>
-            </a:extLst>
-          </p:cNvPr>
-          <p:cNvSpPr/>
+          <p:cNvPr id="200" name="Outline."/>
+          <p:cNvSpPr txBox="1"/>
           <p:nvPr/>
         </p:nvSpPr>
         <p:spPr>
           <a:xfrm>
-            <a:off x="6384098" y="4306037"/>
-            <a:ext cx="5194444" cy="954107"/>
+            <a:off x="635000" y="775494"/>
+            <a:ext cx="2513509" cy="820738"/>
           </a:xfrm>
           <a:prstGeom prst="rect">
             <a:avLst/>
           </a:prstGeom>
-        </p:spPr>
-        <p:txBody>
-          <a:bodyPr wrap="square">
+          <a:ln w="12700">
+            <a:miter lim="400000"/>
+          </a:ln>
+          <a:extLst>
+            <a:ext uri="{C572A759-6A51-4108-AA02-DFA0A04FC94B}">
+              <ma14:wrappingTextBoxFlag xmlns="" xmlns:m="http://schemas.openxmlformats.org/officeDocument/2006/math" xmlns:a14="http://schemas.microsoft.com/office/drawing/2010/main" xmlns:ma14="http://schemas.microsoft.com/office/mac/drawingml/2011/main" val="1"/>
+            </a:ext>
+          </a:extLst>
+        </p:spPr>
+        <p:txBody>
+          <a:bodyPr wrap="none" lIns="25400" tIns="25400" rIns="25400" bIns="25400" anchor="ctr">
             <a:spAutoFit/>
           </a:bodyPr>
-          <a:lstStyle/>
-          <a:p>
-            <a:r>
-              <a:rPr lang="en-US" altLang="zh-CN" sz="2800" dirty="0">
+          <a:lstStyle>
+            <a:lvl1pPr algn="l">
+              <a:defRPr sz="10000">
+                <a:solidFill>
+                  <a:srgbClr val="0E0000"/>
+                </a:solidFill>
+                <a:latin typeface="CircularStd-Black"/>
+                <a:ea typeface="CircularStd-Black"/>
+                <a:cs typeface="CircularStd-Black"/>
+                <a:sym typeface="CircularStd-Black"/>
+              </a:defRPr>
+            </a:lvl1pPr>
+          </a:lstStyle>
+          <a:p>
+            <a:r>
+              <a:rPr sz="5000" dirty="0"/>
+              <a:t>Outline.</a:t>
+            </a:r>
+          </a:p>
+        </p:txBody>
+      </p:sp>
+      <p:sp>
+        <p:nvSpPr>
+          <p:cNvPr id="201" name="How the web works…"/>
+          <p:cNvSpPr txBox="1"/>
+          <p:nvPr/>
+        </p:nvSpPr>
+        <p:spPr>
+          <a:xfrm>
+            <a:off x="635000" y="1757363"/>
+            <a:ext cx="5765800" cy="2513509"/>
+          </a:xfrm>
+          <a:prstGeom prst="rect">
+            <a:avLst/>
+          </a:prstGeom>
+          <a:ln w="12700">
+            <a:miter lim="400000"/>
+          </a:ln>
+          <a:extLst>
+            <a:ext uri="{C572A759-6A51-4108-AA02-DFA0A04FC94B}">
+              <ma14:wrappingTextBoxFlag xmlns="" xmlns:m="http://schemas.openxmlformats.org/officeDocument/2006/math" xmlns:a14="http://schemas.microsoft.com/office/drawing/2010/main" xmlns:ma14="http://schemas.microsoft.com/office/mac/drawingml/2011/main" val="1"/>
+            </a:ext>
+          </a:extLst>
+        </p:spPr>
+        <p:txBody>
+          <a:bodyPr wrap="square" lIns="25400" tIns="25400" rIns="25400" bIns="25400">
+            <a:spAutoFit/>
+          </a:bodyPr>
+          <a:lstStyle/>
+          <a:p>
+            <a:r>
+              <a:rPr kumimoji="1" lang="en-US" altLang="zh-CN" sz="3200" dirty="0">
                 <a:latin typeface="SF Pro Display" pitchFamily="2" charset="0"/>
                 <a:ea typeface="SF Pro Display" pitchFamily="2" charset="0"/>
+                <a:cs typeface="Circular Std Book" panose="020B0604020101020102" pitchFamily="34" charset="77"/>
               </a:rPr>
-              <a:t>Created by </a:t>
-            </a:r>
-            <a:r>
-              <a:rPr lang="en-US" altLang="zh-CN" sz="2800" b="1" dirty="0">
+              <a:t>Python introduction (15 mins)</a:t>
+            </a:r>
+          </a:p>
+          <a:p>
+            <a:endParaRPr kumimoji="1" lang="en-US" altLang="zh-CN" sz="3200" dirty="0">
+              <a:latin typeface="SF Pro Display" pitchFamily="2" charset="0"/>
+              <a:ea typeface="SF Pro Display" pitchFamily="2" charset="0"/>
+              <a:cs typeface="Circular Std Book" panose="020B0604020101020102" pitchFamily="34" charset="77"/>
+            </a:endParaRPr>
+          </a:p>
+          <a:p>
+            <a:r>
+              <a:rPr kumimoji="1" lang="en-US" altLang="zh-CN" sz="3200" dirty="0">
                 <a:latin typeface="SF Pro Display" pitchFamily="2" charset="0"/>
                 <a:ea typeface="SF Pro Display" pitchFamily="2" charset="0"/>
+                <a:cs typeface="Circular Std Book" panose="020B0604020101020102" pitchFamily="34" charset="77"/>
               </a:rPr>
-              <a:t>Guido Van Rossum</a:t>
-            </a:r>
-            <a:r>
-              <a:rPr lang="en-US" altLang="zh-CN" sz="2800" dirty="0">
+              <a:t>Basics of Python (45 mins)</a:t>
+            </a:r>
+          </a:p>
+          <a:p>
+            <a:endParaRPr kumimoji="1" lang="en-US" altLang="zh-CN" sz="3200" dirty="0">
+              <a:latin typeface="SF Pro Display" pitchFamily="2" charset="0"/>
+              <a:ea typeface="SF Pro Display" pitchFamily="2" charset="0"/>
+              <a:cs typeface="Circular Std Book" panose="020B0604020101020102" pitchFamily="34" charset="77"/>
+            </a:endParaRPr>
+          </a:p>
+          <a:p>
+            <a:r>
+              <a:rPr kumimoji="1" lang="en-US" altLang="zh-CN" sz="3200" dirty="0">
                 <a:latin typeface="SF Pro Display" pitchFamily="2" charset="0"/>
                 <a:ea typeface="SF Pro Display" pitchFamily="2" charset="0"/>
+                <a:cs typeface="Circular Std Book" panose="020B0604020101020102" pitchFamily="34" charset="77"/>
               </a:rPr>
-              <a:t>, first released in 1991</a:t>
-            </a:r>
-          </a:p>
-        </p:txBody>
-      </p:sp>
+              <a:t>Exercise (45 mins)</a:t>
+            </a:r>
+          </a:p>
+        </p:txBody>
+      </p:sp>
+      <p:pic>
+        <p:nvPicPr>
+          <p:cNvPr id="202" name="Image" descr="Image"/>
+          <p:cNvPicPr>
+            <a:picLocks noChangeAspect="1"/>
+          </p:cNvPicPr>
+          <p:nvPr/>
+        </p:nvPicPr>
+        <p:blipFill>
+          <a:blip r:embed="rId2"/>
+          <a:stretch>
+            <a:fillRect/>
+          </a:stretch>
+        </p:blipFill>
+        <p:spPr>
+          <a:xfrm>
+            <a:off x="7117975" y="-595908"/>
+            <a:ext cx="5100755" cy="7651131"/>
+          </a:xfrm>
+          <a:prstGeom prst="rect">
+            <a:avLst/>
+          </a:prstGeom>
+          <a:ln w="12700">
+            <a:miter lim="400000"/>
+          </a:ln>
+        </p:spPr>
+      </p:pic>
     </p:spTree>
     <p:extLst>
       <p:ext uri="{BB962C8B-B14F-4D97-AF65-F5344CB8AC3E}">
-        <p14:creationId xmlns:p14="http://schemas.microsoft.com/office/powerpoint/2010/main" val="2729419407"/>
+        <p14:creationId xmlns:p14="http://schemas.microsoft.com/office/powerpoint/2010/main" val="1481277831"/>
       </p:ext>
     </p:extLst>
   </p:cSld>
   <p:clrMapOvr>
     <a:masterClrMapping/>
   </p:clrMapOvr>
+  <p:transition spd="med"/>
 </p:sld>
 </file>
 
@@ -6489,123 +6633,146 @@
       </p:grpSpPr>
       <p:sp>
         <p:nvSpPr>
-          <p:cNvPr id="2" name="标题 1">
+          <p:cNvPr id="196" name="Download your coding tool"/>
+          <p:cNvSpPr txBox="1"/>
+          <p:nvPr/>
+        </p:nvSpPr>
+        <p:spPr>
+          <a:xfrm>
+            <a:off x="3171095" y="257228"/>
+            <a:ext cx="5599290" cy="897682"/>
+          </a:xfrm>
+          <a:prstGeom prst="rect">
+            <a:avLst/>
+          </a:prstGeom>
+          <a:ln w="12700">
+            <a:miter lim="400000"/>
+          </a:ln>
+          <a:extLst>
+            <a:ext uri="{C572A759-6A51-4108-AA02-DFA0A04FC94B}">
+              <ma14:wrappingTextBoxFlag xmlns="" xmlns:m="http://schemas.openxmlformats.org/officeDocument/2006/math" xmlns:a14="http://schemas.microsoft.com/office/drawing/2010/main" xmlns:ma14="http://schemas.microsoft.com/office/mac/drawingml/2011/main" val="1"/>
+            </a:ext>
+          </a:extLst>
+        </p:spPr>
+        <p:txBody>
+          <a:bodyPr wrap="none" lIns="25400" tIns="25400" rIns="25400" bIns="25400" anchor="ctr">
+            <a:spAutoFit/>
+          </a:bodyPr>
+          <a:lstStyle>
+            <a:lvl1pPr>
+              <a:defRPr sz="11000">
+                <a:latin typeface="CircularStd-Black"/>
+                <a:ea typeface="CircularStd-Black"/>
+                <a:cs typeface="CircularStd-Black"/>
+                <a:sym typeface="CircularStd-Black"/>
+              </a:defRPr>
+            </a:lvl1pPr>
+          </a:lstStyle>
+          <a:p>
+            <a:r>
+              <a:rPr lang="en-US" sz="5500" dirty="0"/>
+              <a:t>Your </a:t>
+            </a:r>
+            <a:r>
+              <a:rPr sz="5500" dirty="0"/>
+              <a:t>coding tool</a:t>
+            </a:r>
+          </a:p>
+        </p:txBody>
+      </p:sp>
+      <p:sp>
+        <p:nvSpPr>
+          <p:cNvPr id="197" name="Sublime text"/>
+          <p:cNvSpPr txBox="1"/>
+          <p:nvPr/>
+        </p:nvSpPr>
+        <p:spPr>
+          <a:xfrm>
+            <a:off x="3978017" y="1344274"/>
+            <a:ext cx="3768852" cy="666849"/>
+          </a:xfrm>
+          <a:prstGeom prst="rect">
+            <a:avLst/>
+          </a:prstGeom>
+          <a:ln w="12700">
+            <a:miter lim="400000"/>
+          </a:ln>
+          <a:extLst>
+            <a:ext uri="{C572A759-6A51-4108-AA02-DFA0A04FC94B}">
+              <ma14:wrappingTextBoxFlag xmlns="" xmlns:m="http://schemas.openxmlformats.org/officeDocument/2006/math" xmlns:a14="http://schemas.microsoft.com/office/drawing/2010/main" xmlns:ma14="http://schemas.microsoft.com/office/mac/drawingml/2011/main" val="1"/>
+            </a:ext>
+          </a:extLst>
+        </p:spPr>
+        <p:txBody>
+          <a:bodyPr wrap="none" lIns="25400" tIns="25400" rIns="25400" bIns="25400" anchor="ctr">
+            <a:spAutoFit/>
+          </a:bodyPr>
+          <a:lstStyle>
+            <a:lvl1pPr>
+              <a:defRPr sz="8000">
+                <a:solidFill>
+                  <a:srgbClr val="53585F"/>
+                </a:solidFill>
+                <a:latin typeface="Circular Std"/>
+                <a:ea typeface="Circular Std"/>
+                <a:cs typeface="Circular Std"/>
+                <a:sym typeface="Circular Std"/>
+              </a:defRPr>
+            </a:lvl1pPr>
+          </a:lstStyle>
+          <a:p>
+            <a:r>
+              <a:rPr lang="en-US" sz="4000" dirty="0" err="1"/>
+              <a:t>Jupyter</a:t>
+            </a:r>
+            <a:r>
+              <a:rPr lang="en-US" sz="4000" dirty="0"/>
+              <a:t> Notebook</a:t>
+            </a:r>
+            <a:endParaRPr sz="4000" dirty="0"/>
+          </a:p>
+        </p:txBody>
+      </p:sp>
+      <p:pic>
+        <p:nvPicPr>
+          <p:cNvPr id="2" name="Picture 1">
             <a:extLst>
               <a:ext uri="{FF2B5EF4-FFF2-40B4-BE49-F238E27FC236}">
-                <a16:creationId xmlns:a16="http://schemas.microsoft.com/office/drawing/2014/main" id="{B7DCA67B-C998-3848-B607-2FB4707B3066}"/>
+                <a16:creationId xmlns:a16="http://schemas.microsoft.com/office/drawing/2014/main" id="{321CAFFC-CE16-4FB9-85F9-21C7DFCC38F3}"/>
               </a:ext>
             </a:extLst>
           </p:cNvPr>
-          <p:cNvSpPr>
-            <a:spLocks noGrp="1"/>
-          </p:cNvSpPr>
-          <p:nvPr>
-            <p:ph type="title"/>
-          </p:nvPr>
-        </p:nvSpPr>
-        <p:spPr/>
-        <p:txBody>
-          <a:bodyPr/>
-          <a:lstStyle/>
-          <a:p>
-            <a:r>
-              <a:rPr kumimoji="1" lang="en-US" altLang="zh-CN" dirty="0"/>
-              <a:t>General Purpose</a:t>
-            </a:r>
-            <a:endParaRPr kumimoji="1" lang="zh-CN" altLang="en-US" dirty="0"/>
-          </a:p>
-        </p:txBody>
-      </p:sp>
-      <p:sp>
-        <p:nvSpPr>
-          <p:cNvPr id="3" name="内容占位符 2">
-            <a:extLst>
-              <a:ext uri="{FF2B5EF4-FFF2-40B4-BE49-F238E27FC236}">
-                <a16:creationId xmlns:a16="http://schemas.microsoft.com/office/drawing/2014/main" id="{6856AD1D-DB0C-6445-B759-81F72B1699AB}"/>
-              </a:ext>
-            </a:extLst>
-          </p:cNvPr>
-          <p:cNvSpPr>
-            <a:spLocks noGrp="1"/>
-          </p:cNvSpPr>
-          <p:nvPr>
-            <p:ph idx="1"/>
-          </p:nvPr>
-        </p:nvSpPr>
-        <p:spPr/>
-        <p:txBody>
-          <a:bodyPr/>
-          <a:lstStyle/>
-          <a:p>
-            <a:r>
-              <a:rPr kumimoji="1" lang="en-US" altLang="zh-CN" dirty="0"/>
-              <a:t>Web development (like: Django, Flask)</a:t>
-            </a:r>
-          </a:p>
-          <a:p>
-            <a:endParaRPr kumimoji="1" lang="en-US" altLang="zh-CN" dirty="0"/>
-          </a:p>
-          <a:p>
-            <a:r>
-              <a:rPr kumimoji="1" lang="en-US" altLang="zh-CN" dirty="0"/>
-              <a:t>Scientific and Mathematical computing (Orange, </a:t>
-            </a:r>
-            <a:r>
-              <a:rPr kumimoji="1" lang="en-US" altLang="zh-CN" dirty="0" err="1"/>
-              <a:t>Scipy</a:t>
-            </a:r>
-            <a:r>
-              <a:rPr kumimoji="1" lang="en-US" altLang="zh-CN" dirty="0"/>
-              <a:t>, </a:t>
-            </a:r>
-            <a:r>
-              <a:rPr kumimoji="1" lang="en-US" altLang="zh-CN" dirty="0" err="1"/>
-              <a:t>Numpy</a:t>
-            </a:r>
-            <a:r>
-              <a:rPr kumimoji="1" lang="en-US" altLang="zh-CN" dirty="0"/>
-              <a:t>)</a:t>
-            </a:r>
-          </a:p>
-          <a:p>
-            <a:endParaRPr kumimoji="1" lang="en-US" altLang="zh-CN" dirty="0"/>
-          </a:p>
-          <a:p>
-            <a:r>
-              <a:rPr kumimoji="1" lang="en-US" altLang="zh-CN" dirty="0"/>
-              <a:t>Desktop graphical user interfaces (</a:t>
-            </a:r>
-            <a:r>
-              <a:rPr kumimoji="1" lang="en-US" altLang="zh-CN" dirty="0" err="1"/>
-              <a:t>Pygame</a:t>
-            </a:r>
-            <a:r>
-              <a:rPr kumimoji="1" lang="en-US" altLang="zh-CN" dirty="0"/>
-              <a:t>, Panda3D)</a:t>
-            </a:r>
-          </a:p>
-          <a:p>
-            <a:endParaRPr kumimoji="1" lang="en-US" altLang="zh-CN" dirty="0"/>
-          </a:p>
-          <a:p>
-            <a:r>
-              <a:rPr lang="en-US" altLang="zh-CN" dirty="0"/>
-              <a:t>Web crawler</a:t>
-            </a:r>
-            <a:endParaRPr kumimoji="1" lang="zh-CN" altLang="en-US" dirty="0"/>
-          </a:p>
-        </p:txBody>
-      </p:sp>
+          <p:cNvPicPr>
+            <a:picLocks noChangeAspect="1"/>
+          </p:cNvPicPr>
+          <p:nvPr/>
+        </p:nvPicPr>
+        <p:blipFill rotWithShape="1">
+          <a:blip r:embed="rId3"/>
+          <a:srcRect b="6485"/>
+          <a:stretch/>
+        </p:blipFill>
+        <p:spPr>
+          <a:xfrm>
+            <a:off x="2084240" y="2200487"/>
+            <a:ext cx="7773000" cy="4088811"/>
+          </a:xfrm>
+          <a:prstGeom prst="rect">
+            <a:avLst/>
+          </a:prstGeom>
+        </p:spPr>
+      </p:pic>
     </p:spTree>
     <p:extLst>
       <p:ext uri="{BB962C8B-B14F-4D97-AF65-F5344CB8AC3E}">
-        <p14:creationId xmlns:p14="http://schemas.microsoft.com/office/powerpoint/2010/main" val="3015896123"/>
+        <p14:creationId xmlns:p14="http://schemas.microsoft.com/office/powerpoint/2010/main" val="1990533440"/>
       </p:ext>
     </p:extLst>
   </p:cSld>
   <p:clrMapOvr>
     <a:masterClrMapping/>
   </p:clrMapOvr>
+  <p:transition spd="med"/>
 </p:sld>
 </file>
 
@@ -6628,10 +6795,10 @@
       </p:grpSpPr>
       <p:sp>
         <p:nvSpPr>
-          <p:cNvPr id="2" name="标题 1">
+          <p:cNvPr id="16386" name="Title 1">
             <a:extLst>
               <a:ext uri="{FF2B5EF4-FFF2-40B4-BE49-F238E27FC236}">
-                <a16:creationId xmlns:a16="http://schemas.microsoft.com/office/drawing/2014/main" id="{1D4C546E-6508-4041-9CEB-C4BC2329FC3B}"/>
+                <a16:creationId xmlns:a16="http://schemas.microsoft.com/office/drawing/2014/main" id="{675B73F2-E538-434F-B2B4-DA2285B7D4F5}"/>
               </a:ext>
             </a:extLst>
           </p:cNvPr>
@@ -6642,25 +6809,29 @@
             <p:ph type="title"/>
           </p:nvPr>
         </p:nvSpPr>
-        <p:spPr/>
+        <p:spPr>
+          <a:xfrm>
+            <a:off x="838200" y="132043"/>
+            <a:ext cx="10515600" cy="1325563"/>
+          </a:xfrm>
+        </p:spPr>
         <p:txBody>
           <a:bodyPr/>
           <a:lstStyle/>
           <a:p>
             <a:r>
-              <a:rPr kumimoji="1" lang="en-US" altLang="zh-CN" dirty="0"/>
-              <a:t>Other features</a:t>
-            </a:r>
-            <a:endParaRPr kumimoji="1" lang="zh-CN" altLang="en-US" dirty="0"/>
-          </a:p>
-        </p:txBody>
-      </p:sp>
-      <p:sp>
-        <p:nvSpPr>
-          <p:cNvPr id="3" name="内容占位符 2">
+              <a:rPr lang="en-US" altLang="zh-CN" dirty="0"/>
+              <a:t>Introduction to Python</a:t>
+            </a:r>
+          </a:p>
+        </p:txBody>
+      </p:sp>
+      <p:sp>
+        <p:nvSpPr>
+          <p:cNvPr id="16387" name="Content Placeholder 2">
             <a:extLst>
               <a:ext uri="{FF2B5EF4-FFF2-40B4-BE49-F238E27FC236}">
-                <a16:creationId xmlns:a16="http://schemas.microsoft.com/office/drawing/2014/main" id="{F70E7027-84CB-E544-B241-2FD882DA6102}"/>
+                <a16:creationId xmlns:a16="http://schemas.microsoft.com/office/drawing/2014/main" id="{BDF1CDB7-F3AD-D14F-82AA-17002EEEE9E1}"/>
               </a:ext>
             </a:extLst>
           </p:cNvPr>
@@ -6671,63 +6842,124 @@
             <p:ph idx="1"/>
           </p:nvPr>
         </p:nvSpPr>
-        <p:spPr/>
-        <p:txBody>
-          <a:bodyPr/>
-          <a:lstStyle/>
+        <p:spPr>
+          <a:xfrm>
+            <a:off x="838200" y="1253331"/>
+            <a:ext cx="7831238" cy="4351338"/>
+          </a:xfrm>
+        </p:spPr>
+        <p:txBody>
+          <a:bodyPr>
+            <a:normAutofit/>
+          </a:bodyPr>
+          <a:lstStyle/>
+          <a:p>
+            <a:r>
+              <a:rPr lang="en-US" altLang="zh-CN" dirty="0"/>
+              <a:t>Python is a high-level programming language</a:t>
+            </a:r>
+          </a:p>
+          <a:p>
+            <a:pPr lvl="1"/>
+            <a:r>
+              <a:rPr lang="en-US" altLang="zh-CN" dirty="0"/>
+              <a:t>What does this mean? </a:t>
+            </a:r>
+          </a:p>
           <a:p>
             <a:r>
               <a:rPr kumimoji="1" lang="en-US" altLang="zh-CN" dirty="0"/>
-              <a:t>Simple language which is easier to learn (than C, Java, JavaScript)</a:t>
-            </a:r>
-          </a:p>
-          <a:p>
-            <a:endParaRPr kumimoji="1" lang="en-US" altLang="zh-CN" dirty="0"/>
-          </a:p>
-          <a:p>
-            <a:r>
-              <a:rPr kumimoji="1" lang="en-US" altLang="zh-CN" dirty="0"/>
-              <a:t>Extensible</a:t>
-            </a:r>
-            <a:r>
-              <a:rPr kumimoji="1" lang="zh-CN" altLang="en-US" dirty="0"/>
-              <a:t> </a:t>
-            </a:r>
-            <a:r>
-              <a:rPr kumimoji="1" lang="en-US" altLang="zh-CN" dirty="0"/>
-              <a:t>and embeddable</a:t>
-            </a:r>
-          </a:p>
-          <a:p>
-            <a:endParaRPr kumimoji="1" lang="en-US" altLang="zh-CN" dirty="0"/>
-          </a:p>
-          <a:p>
-            <a:r>
-              <a:rPr kumimoji="1" lang="en-US" altLang="zh-CN" dirty="0"/>
-              <a:t>Expressiveness of language</a:t>
-            </a:r>
-          </a:p>
-          <a:p>
-            <a:endParaRPr kumimoji="1" lang="en-US" altLang="zh-CN" dirty="0"/>
-          </a:p>
-          <a:p>
-            <a:r>
-              <a:rPr kumimoji="1" lang="en-US" altLang="zh-CN" dirty="0"/>
-              <a:t>Elegant syntax</a:t>
-            </a:r>
-          </a:p>
-          <a:p>
-            <a:endParaRPr kumimoji="1" lang="en-US" altLang="zh-CN" dirty="0"/>
-          </a:p>
-          <a:p>
-            <a:endParaRPr kumimoji="1" lang="zh-CN" altLang="en-US" dirty="0"/>
+              <a:t>It’s multi-purpose(Web, Data Science, Scripting)</a:t>
+            </a:r>
+            <a:endParaRPr lang="en-US" altLang="zh-CN" dirty="0"/>
+          </a:p>
+          <a:p>
+            <a:r>
+              <a:rPr lang="en-US" altLang="zh-CN" dirty="0"/>
+              <a:t>Open-source and community-driven, meaning…</a:t>
+            </a:r>
+          </a:p>
+          <a:p>
+            <a:r>
+              <a:rPr lang="en-US" altLang="zh-CN" dirty="0"/>
+              <a:t>Large standard library</a:t>
+            </a:r>
+          </a:p>
+          <a:p>
+            <a:r>
+              <a:rPr lang="en-US" altLang="zh-CN" dirty="0"/>
+              <a:t>Multi-platform</a:t>
+            </a:r>
+          </a:p>
+          <a:p>
+            <a:r>
+              <a:rPr lang="en-US" altLang="zh-CN" dirty="0"/>
+              <a:t>Interpreted</a:t>
+            </a:r>
+          </a:p>
+          <a:p>
+            <a:r>
+              <a:rPr lang="en-US" altLang="zh-CN" dirty="0"/>
+              <a:t>Garbage Collected</a:t>
+            </a:r>
+          </a:p>
+        </p:txBody>
+      </p:sp>
+      <p:sp>
+        <p:nvSpPr>
+          <p:cNvPr id="4" name="Rectangle 3">
+            <a:extLst>
+              <a:ext uri="{FF2B5EF4-FFF2-40B4-BE49-F238E27FC236}">
+                <a16:creationId xmlns:a16="http://schemas.microsoft.com/office/drawing/2014/main" id="{6E8033D3-2AEC-8946-BC19-A67718ECE8F8}"/>
+              </a:ext>
+            </a:extLst>
+          </p:cNvPr>
+          <p:cNvSpPr/>
+          <p:nvPr/>
+        </p:nvSpPr>
+        <p:spPr>
+          <a:xfrm>
+            <a:off x="6384098" y="4306037"/>
+            <a:ext cx="5194444" cy="954107"/>
+          </a:xfrm>
+          <a:prstGeom prst="rect">
+            <a:avLst/>
+          </a:prstGeom>
+        </p:spPr>
+        <p:txBody>
+          <a:bodyPr wrap="square">
+            <a:spAutoFit/>
+          </a:bodyPr>
+          <a:lstStyle/>
+          <a:p>
+            <a:r>
+              <a:rPr lang="en-US" altLang="zh-CN" sz="2800" dirty="0">
+                <a:latin typeface="SF Pro Display" pitchFamily="2" charset="0"/>
+                <a:ea typeface="SF Pro Display" pitchFamily="2" charset="0"/>
+              </a:rPr>
+              <a:t>Created by </a:t>
+            </a:r>
+            <a:r>
+              <a:rPr lang="en-US" altLang="zh-CN" sz="2800" b="1" dirty="0">
+                <a:latin typeface="SF Pro Display" pitchFamily="2" charset="0"/>
+                <a:ea typeface="SF Pro Display" pitchFamily="2" charset="0"/>
+              </a:rPr>
+              <a:t>Guido Van Rossum</a:t>
+            </a:r>
+            <a:r>
+              <a:rPr lang="en-US" altLang="zh-CN" sz="2800" dirty="0">
+                <a:latin typeface="SF Pro Display" pitchFamily="2" charset="0"/>
+                <a:ea typeface="SF Pro Display" pitchFamily="2" charset="0"/>
+              </a:rPr>
+              <a:t>, first released in 1991</a:t>
+            </a:r>
           </a:p>
         </p:txBody>
       </p:sp>
     </p:spTree>
     <p:extLst>
       <p:ext uri="{BB962C8B-B14F-4D97-AF65-F5344CB8AC3E}">
-        <p14:creationId xmlns:p14="http://schemas.microsoft.com/office/powerpoint/2010/main" val="3199302667"/>
+        <p14:creationId xmlns:p14="http://schemas.microsoft.com/office/powerpoint/2010/main" val="2729419407"/>
       </p:ext>
     </p:extLst>
   </p:cSld>
